--- a/data.pptx
+++ b/data.pptx
@@ -6,24 +6,25 @@
     <p:sldMasterId id="2147483670" r:id="rId2"/>
   </p:sldMasterIdLst>
   <p:notesMasterIdLst>
-    <p:notesMasterId r:id="rId15"/>
+    <p:notesMasterId r:id="rId16"/>
   </p:notesMasterIdLst>
   <p:handoutMasterIdLst>
-    <p:handoutMasterId r:id="rId16"/>
+    <p:handoutMasterId r:id="rId17"/>
   </p:handoutMasterIdLst>
   <p:sldIdLst>
     <p:sldId id="278" r:id="rId3"/>
-    <p:sldId id="355" r:id="rId4"/>
-    <p:sldId id="360" r:id="rId5"/>
-    <p:sldId id="356" r:id="rId6"/>
-    <p:sldId id="362" r:id="rId7"/>
-    <p:sldId id="364" r:id="rId8"/>
-    <p:sldId id="357" r:id="rId9"/>
-    <p:sldId id="365" r:id="rId10"/>
-    <p:sldId id="366" r:id="rId11"/>
-    <p:sldId id="368" r:id="rId12"/>
-    <p:sldId id="367" r:id="rId13"/>
-    <p:sldId id="324" r:id="rId14"/>
+    <p:sldId id="369" r:id="rId4"/>
+    <p:sldId id="355" r:id="rId5"/>
+    <p:sldId id="360" r:id="rId6"/>
+    <p:sldId id="356" r:id="rId7"/>
+    <p:sldId id="362" r:id="rId8"/>
+    <p:sldId id="364" r:id="rId9"/>
+    <p:sldId id="357" r:id="rId10"/>
+    <p:sldId id="365" r:id="rId11"/>
+    <p:sldId id="366" r:id="rId12"/>
+    <p:sldId id="368" r:id="rId13"/>
+    <p:sldId id="367" r:id="rId14"/>
+    <p:sldId id="324" r:id="rId15"/>
   </p:sldIdLst>
   <p:sldSz cx="12192000" cy="6858000"/>
   <p:notesSz cx="6858000" cy="9144000"/>
@@ -703,7 +704,7 @@
           <a:p>
             <a:fld id="{4DDAD74B-4254-4A15-B920-236F271C9A39}" type="slidenum">
               <a:rPr lang="id-ID" smtClean="0"/>
-              <a:t>3</a:t>
+              <a:t>2</a:t>
             </a:fld>
             <a:endParaRPr lang="id-ID"/>
           </a:p>
@@ -712,7 +713,7 @@
     </p:spTree>
     <p:extLst>
       <p:ext uri="{BB962C8B-B14F-4D97-AF65-F5344CB8AC3E}">
-        <p14:creationId xmlns:p14="http://schemas.microsoft.com/office/powerpoint/2010/main" val="668168240"/>
+        <p14:creationId xmlns:p14="http://schemas.microsoft.com/office/powerpoint/2010/main" val="348035796"/>
       </p:ext>
     </p:extLst>
   </p:cSld>
@@ -787,7 +788,7 @@
           <a:p>
             <a:fld id="{4DDAD74B-4254-4A15-B920-236F271C9A39}" type="slidenum">
               <a:rPr lang="id-ID" smtClean="0"/>
-              <a:t>5</a:t>
+              <a:t>4</a:t>
             </a:fld>
             <a:endParaRPr lang="id-ID"/>
           </a:p>
@@ -796,7 +797,7 @@
     </p:spTree>
     <p:extLst>
       <p:ext uri="{BB962C8B-B14F-4D97-AF65-F5344CB8AC3E}">
-        <p14:creationId xmlns:p14="http://schemas.microsoft.com/office/powerpoint/2010/main" val="2744415287"/>
+        <p14:creationId xmlns:p14="http://schemas.microsoft.com/office/powerpoint/2010/main" val="668168240"/>
       </p:ext>
     </p:extLst>
   </p:cSld>
@@ -880,7 +881,7 @@
     </p:spTree>
     <p:extLst>
       <p:ext uri="{BB962C8B-B14F-4D97-AF65-F5344CB8AC3E}">
-        <p14:creationId xmlns:p14="http://schemas.microsoft.com/office/powerpoint/2010/main" val="1021440459"/>
+        <p14:creationId xmlns:p14="http://schemas.microsoft.com/office/powerpoint/2010/main" val="2744415287"/>
       </p:ext>
     </p:extLst>
   </p:cSld>
@@ -955,7 +956,7 @@
           <a:p>
             <a:fld id="{4DDAD74B-4254-4A15-B920-236F271C9A39}" type="slidenum">
               <a:rPr lang="id-ID" smtClean="0"/>
-              <a:t>8</a:t>
+              <a:t>7</a:t>
             </a:fld>
             <a:endParaRPr lang="id-ID"/>
           </a:p>
@@ -964,7 +965,7 @@
     </p:spTree>
     <p:extLst>
       <p:ext uri="{BB962C8B-B14F-4D97-AF65-F5344CB8AC3E}">
-        <p14:creationId xmlns:p14="http://schemas.microsoft.com/office/powerpoint/2010/main" val="3741883056"/>
+        <p14:creationId xmlns:p14="http://schemas.microsoft.com/office/powerpoint/2010/main" val="1021440459"/>
       </p:ext>
     </p:extLst>
   </p:cSld>
@@ -1048,7 +1049,7 @@
     </p:spTree>
     <p:extLst>
       <p:ext uri="{BB962C8B-B14F-4D97-AF65-F5344CB8AC3E}">
-        <p14:creationId xmlns:p14="http://schemas.microsoft.com/office/powerpoint/2010/main" val="2774127809"/>
+        <p14:creationId xmlns:p14="http://schemas.microsoft.com/office/powerpoint/2010/main" val="3741883056"/>
       </p:ext>
     </p:extLst>
   </p:cSld>
@@ -1132,7 +1133,7 @@
     </p:spTree>
     <p:extLst>
       <p:ext uri="{BB962C8B-B14F-4D97-AF65-F5344CB8AC3E}">
-        <p14:creationId xmlns:p14="http://schemas.microsoft.com/office/powerpoint/2010/main" val="3433944361"/>
+        <p14:creationId xmlns:p14="http://schemas.microsoft.com/office/powerpoint/2010/main" val="2774127809"/>
       </p:ext>
     </p:extLst>
   </p:cSld>
@@ -1208,6 +1209,90 @@
             <a:fld id="{4DDAD74B-4254-4A15-B920-236F271C9A39}" type="slidenum">
               <a:rPr lang="id-ID" smtClean="0"/>
               <a:t>11</a:t>
+            </a:fld>
+            <a:endParaRPr lang="id-ID"/>
+          </a:p>
+        </p:txBody>
+      </p:sp>
+    </p:spTree>
+    <p:extLst>
+      <p:ext uri="{BB962C8B-B14F-4D97-AF65-F5344CB8AC3E}">
+        <p14:creationId xmlns:p14="http://schemas.microsoft.com/office/powerpoint/2010/main" val="3433944361"/>
+      </p:ext>
+    </p:extLst>
+  </p:cSld>
+  <p:clrMapOvr>
+    <a:masterClrMapping/>
+  </p:clrMapOvr>
+</p:notes>
+</file>
+
+<file path=ppt/notesSlides/notesSlide8.xml><?xml version="1.0" encoding="utf-8"?>
+<p:notes xmlns:a="http://schemas.openxmlformats.org/drawingml/2006/main" xmlns:r="http://schemas.openxmlformats.org/officeDocument/2006/relationships" xmlns:p="http://schemas.openxmlformats.org/presentationml/2006/main">
+  <p:cSld>
+    <p:spTree>
+      <p:nvGrpSpPr>
+        <p:cNvPr id="1" name=""/>
+        <p:cNvGrpSpPr/>
+        <p:nvPr/>
+      </p:nvGrpSpPr>
+      <p:grpSpPr>
+        <a:xfrm>
+          <a:off x="0" y="0"/>
+          <a:ext cx="0" cy="0"/>
+          <a:chOff x="0" y="0"/>
+          <a:chExt cx="0" cy="0"/>
+        </a:xfrm>
+      </p:grpSpPr>
+      <p:sp>
+        <p:nvSpPr>
+          <p:cNvPr id="2" name="Slide Image Placeholder 1"/>
+          <p:cNvSpPr>
+            <a:spLocks noGrp="1" noRot="1" noChangeAspect="1"/>
+          </p:cNvSpPr>
+          <p:nvPr>
+            <p:ph type="sldImg"/>
+          </p:nvPr>
+        </p:nvSpPr>
+        <p:spPr/>
+      </p:sp>
+      <p:sp>
+        <p:nvSpPr>
+          <p:cNvPr id="3" name="Notes Placeholder 2"/>
+          <p:cNvSpPr>
+            <a:spLocks noGrp="1"/>
+          </p:cNvSpPr>
+          <p:nvPr>
+            <p:ph type="body" idx="1"/>
+          </p:nvPr>
+        </p:nvSpPr>
+        <p:spPr/>
+        <p:txBody>
+          <a:bodyPr/>
+          <a:lstStyle/>
+          <a:p>
+            <a:endParaRPr lang="id-ID"/>
+          </a:p>
+        </p:txBody>
+      </p:sp>
+      <p:sp>
+        <p:nvSpPr>
+          <p:cNvPr id="4" name="Slide Number Placeholder 3"/>
+          <p:cNvSpPr>
+            <a:spLocks noGrp="1"/>
+          </p:cNvSpPr>
+          <p:nvPr>
+            <p:ph type="sldNum" sz="quarter" idx="10"/>
+          </p:nvPr>
+        </p:nvSpPr>
+        <p:spPr/>
+        <p:txBody>
+          <a:bodyPr/>
+          <a:lstStyle/>
+          <a:p>
+            <a:fld id="{4DDAD74B-4254-4A15-B920-236F271C9A39}" type="slidenum">
+              <a:rPr lang="id-ID" smtClean="0"/>
+              <a:t>12</a:t>
             </a:fld>
             <a:endParaRPr lang="id-ID"/>
           </a:p>
@@ -12607,8 +12692,8 @@
         </p:nvSpPr>
         <p:spPr>
           <a:xfrm>
-            <a:off x="4726751" y="221807"/>
-            <a:ext cx="2018501" cy="923330"/>
+            <a:off x="2914427" y="221807"/>
+            <a:ext cx="5643148" cy="923330"/>
           </a:xfrm>
           <a:prstGeom prst="rect">
             <a:avLst/>
@@ -12630,7 +12715,7 @@
                 <a:cs typeface="+mn-ea"/>
                 <a:sym typeface="+mn-lt"/>
               </a:rPr>
-              <a:t>Math?</a:t>
+              <a:t>How KRACK works?</a:t>
             </a:r>
             <a:endParaRPr lang="zh-CN" altLang="en-US" sz="5400" dirty="0">
               <a:solidFill>
@@ -12642,312 +12727,124 @@
           </a:p>
         </p:txBody>
       </p:sp>
-      <p:sp>
-        <p:nvSpPr>
-          <p:cNvPr id="7" name="TextBox 36">
+      <p:pic>
+        <p:nvPicPr>
+          <p:cNvPr id="3" name="圖片 2">
             <a:extLst>
               <a:ext uri="{FF2B5EF4-FFF2-40B4-BE49-F238E27FC236}">
-                <a16:creationId xmlns:a16="http://schemas.microsoft.com/office/drawing/2014/main" id="{4946F5FA-D0BF-45D4-8283-1404D73E72C9}"/>
+                <a16:creationId xmlns:a16="http://schemas.microsoft.com/office/drawing/2014/main" xmlns="" id="{8C71F234-3D68-42CA-A35E-E1DCC232D0EF}"/>
               </a:ext>
             </a:extLst>
           </p:cNvPr>
-          <p:cNvSpPr txBox="1"/>
+          <p:cNvPicPr>
+            <a:picLocks noChangeAspect="1"/>
+          </p:cNvPicPr>
           <p:nvPr/>
-        </p:nvSpPr>
+        </p:nvPicPr>
+        <p:blipFill>
+          <a:blip r:embed="rId3">
+            <a:extLst>
+              <a:ext uri="{28A0092B-C50C-407E-A947-70E740481C1C}">
+                <a14:useLocalDpi xmlns:a14="http://schemas.microsoft.com/office/drawing/2010/main" val="0"/>
+              </a:ext>
+            </a:extLst>
+          </a:blip>
+          <a:stretch>
+            <a:fillRect/>
+          </a:stretch>
+        </p:blipFill>
         <p:spPr>
           <a:xfrm>
-            <a:off x="1151105" y="1620245"/>
-            <a:ext cx="9792000" cy="1015663"/>
+            <a:off x="3000000" y="1219620"/>
+            <a:ext cx="6336000" cy="5416573"/>
           </a:xfrm>
           <a:prstGeom prst="rect">
             <a:avLst/>
           </a:prstGeom>
-          <a:noFill/>
         </p:spPr>
-        <p:txBody>
-          <a:bodyPr wrap="square" rtlCol="0">
-            <a:spAutoFit/>
-          </a:bodyPr>
-          <a:lstStyle/>
-          <a:p>
-            <a:pPr algn="ctr"/>
-            <a:r>
-              <a:rPr lang="en-US" altLang="zh-CN" sz="6000" dirty="0">
-                <a:solidFill>
-                  <a:schemeClr val="bg1"/>
-                </a:solidFill>
-                <a:cs typeface="+mn-ea"/>
-                <a:sym typeface="+mn-lt"/>
-              </a:rPr>
-              <a:t>A</a:t>
-            </a:r>
-            <a:r>
-              <a:rPr lang="sv-SE" sz="6000" dirty="0">
-                <a:solidFill>
-                  <a:schemeClr val="bg1"/>
-                </a:solidFill>
-                <a:cs typeface="+mn-ea"/>
-                <a:sym typeface="+mn-lt"/>
-              </a:rPr>
-              <a:t> xor </a:t>
-            </a:r>
-            <a:r>
-              <a:rPr lang="en-US" altLang="zh-CN" sz="6000" dirty="0">
-                <a:solidFill>
-                  <a:schemeClr val="bg1"/>
-                </a:solidFill>
-                <a:cs typeface="+mn-ea"/>
-                <a:sym typeface="+mn-lt"/>
-              </a:rPr>
-              <a:t>B</a:t>
-            </a:r>
-            <a:r>
-              <a:rPr lang="sv-SE" sz="6000" dirty="0">
-                <a:solidFill>
-                  <a:schemeClr val="bg1"/>
-                </a:solidFill>
-                <a:cs typeface="+mn-ea"/>
-                <a:sym typeface="+mn-lt"/>
-              </a:rPr>
-              <a:t> = </a:t>
-            </a:r>
-            <a:r>
-              <a:rPr lang="en-US" altLang="zh-CN" sz="6000" dirty="0">
-                <a:solidFill>
-                  <a:schemeClr val="bg1"/>
-                </a:solidFill>
-                <a:cs typeface="+mn-ea"/>
-                <a:sym typeface="+mn-lt"/>
-              </a:rPr>
-              <a:t>Data</a:t>
-            </a:r>
-            <a:r>
-              <a:rPr lang="sv-SE" sz="6000" dirty="0">
-                <a:solidFill>
-                  <a:schemeClr val="bg1"/>
-                </a:solidFill>
-                <a:cs typeface="+mn-ea"/>
-                <a:sym typeface="+mn-lt"/>
-              </a:rPr>
-              <a:t>1 xor </a:t>
-            </a:r>
-            <a:r>
-              <a:rPr lang="en-US" altLang="zh-CN" sz="6000" dirty="0">
-                <a:solidFill>
-                  <a:schemeClr val="bg1"/>
-                </a:solidFill>
-                <a:cs typeface="+mn-ea"/>
-                <a:sym typeface="+mn-lt"/>
-              </a:rPr>
-              <a:t>Data</a:t>
-            </a:r>
-            <a:r>
-              <a:rPr lang="sv-SE" sz="6000" dirty="0">
-                <a:solidFill>
-                  <a:schemeClr val="bg1"/>
-                </a:solidFill>
-                <a:cs typeface="+mn-ea"/>
-                <a:sym typeface="+mn-lt"/>
-              </a:rPr>
-              <a:t>2</a:t>
-            </a:r>
-            <a:endParaRPr lang="en-US" sz="6000" dirty="0">
-              <a:solidFill>
-                <a:schemeClr val="bg1"/>
-              </a:solidFill>
-              <a:cs typeface="+mn-ea"/>
-              <a:sym typeface="+mn-lt"/>
-            </a:endParaRPr>
-          </a:p>
-        </p:txBody>
-      </p:sp>
-      <p:sp>
-        <p:nvSpPr>
-          <p:cNvPr id="10" name="TextBox 36">
+      </p:pic>
+      <p:pic>
+        <p:nvPicPr>
+          <p:cNvPr id="6" name="圖形 5">
             <a:extLst>
               <a:ext uri="{FF2B5EF4-FFF2-40B4-BE49-F238E27FC236}">
-                <a16:creationId xmlns:a16="http://schemas.microsoft.com/office/drawing/2014/main" id="{17388224-F329-4947-92B6-A50AF4911E02}"/>
+                <a16:creationId xmlns:a16="http://schemas.microsoft.com/office/drawing/2014/main" xmlns="" id="{8871BECA-4141-446A-AF79-470912412631}"/>
               </a:ext>
             </a:extLst>
           </p:cNvPr>
-          <p:cNvSpPr txBox="1"/>
+          <p:cNvPicPr>
+            <a:picLocks noChangeAspect="1"/>
+          </p:cNvPicPr>
           <p:nvPr/>
-        </p:nvSpPr>
+        </p:nvPicPr>
+        <p:blipFill>
+          <a:blip r:embed="rId4">
+            <a:extLst>
+              <a:ext uri="{28A0092B-C50C-407E-A947-70E740481C1C}">
+                <a14:useLocalDpi xmlns:a14="http://schemas.microsoft.com/office/drawing/2010/main" val="0"/>
+              </a:ext>
+              <a:ext uri="{96DAC541-7B7A-43D3-8B79-37D633B846F1}">
+                <asvg:svgBlip xmlns:asvg="http://schemas.microsoft.com/office/drawing/2016/SVG/main" xmlns="" r:embed="rId5"/>
+              </a:ext>
+            </a:extLst>
+          </a:blip>
+          <a:stretch>
+            <a:fillRect/>
+          </a:stretch>
+        </p:blipFill>
         <p:spPr>
           <a:xfrm>
-            <a:off x="2280001" y="2925000"/>
-            <a:ext cx="7920000" cy="2523768"/>
+            <a:off x="10056000" y="2853000"/>
+            <a:ext cx="1152000" cy="1152000"/>
           </a:xfrm>
           <a:prstGeom prst="rect">
             <a:avLst/>
           </a:prstGeom>
-          <a:noFill/>
         </p:spPr>
-        <p:txBody>
-          <a:bodyPr wrap="square" rtlCol="0">
-            <a:spAutoFit/>
-          </a:bodyPr>
-          <a:lstStyle/>
-          <a:p>
-            <a:endParaRPr lang="en-US" altLang="id-ID" sz="2000" b="1" dirty="0">
-              <a:solidFill>
-                <a:schemeClr val="bg1"/>
-              </a:solidFill>
-              <a:cs typeface="+mn-ea"/>
-              <a:sym typeface="+mn-lt"/>
-            </a:endParaRPr>
-          </a:p>
-          <a:p>
-            <a:endParaRPr lang="en-US" altLang="id-ID" b="1" dirty="0">
-              <a:solidFill>
-                <a:schemeClr val="bg1"/>
-              </a:solidFill>
-              <a:cs typeface="+mn-ea"/>
-              <a:sym typeface="+mn-lt"/>
-            </a:endParaRPr>
-          </a:p>
-          <a:p>
-            <a:pPr marL="742950" lvl="1" indent="-285750">
-              <a:buClr>
-                <a:srgbClr val="339FD6"/>
-              </a:buClr>
-              <a:buFont typeface="Wingdings" panose="05000000000000000000" pitchFamily="2" charset="2"/>
-              <a:buChar char="l"/>
-            </a:pPr>
-            <a:r>
-              <a:rPr lang="zh-CN" altLang="en-US" sz="2400" b="1" dirty="0">
-                <a:solidFill>
-                  <a:schemeClr val="bg1"/>
-                </a:solidFill>
-                <a:cs typeface="+mn-ea"/>
-                <a:sym typeface="+mn-lt"/>
-              </a:rPr>
-              <a:t>已知密文</a:t>
-            </a:r>
-            <a:r>
-              <a:rPr lang="en-US" altLang="zh-CN" sz="2400" b="1" dirty="0">
-                <a:solidFill>
-                  <a:schemeClr val="bg1"/>
-                </a:solidFill>
-                <a:cs typeface="+mn-ea"/>
-                <a:sym typeface="+mn-lt"/>
-              </a:rPr>
-              <a:t>A</a:t>
-            </a:r>
-            <a:r>
-              <a:rPr lang="zh-CN" altLang="en-US" sz="2400" b="1" dirty="0">
-                <a:solidFill>
-                  <a:schemeClr val="bg1"/>
-                </a:solidFill>
-                <a:cs typeface="+mn-ea"/>
-                <a:sym typeface="+mn-lt"/>
-              </a:rPr>
-              <a:t>，</a:t>
-            </a:r>
-            <a:r>
-              <a:rPr lang="en-US" altLang="zh-CN" sz="2400" b="1" dirty="0">
-                <a:solidFill>
-                  <a:schemeClr val="bg1"/>
-                </a:solidFill>
-                <a:cs typeface="+mn-ea"/>
-                <a:sym typeface="+mn-lt"/>
-              </a:rPr>
-              <a:t>B</a:t>
-            </a:r>
-          </a:p>
-          <a:p>
-            <a:pPr marL="742950" lvl="1" indent="-285750">
-              <a:buClr>
-                <a:srgbClr val="339FD6"/>
-              </a:buClr>
-              <a:buFont typeface="Wingdings" panose="05000000000000000000" pitchFamily="2" charset="2"/>
-              <a:buChar char="l"/>
-            </a:pPr>
-            <a:endParaRPr lang="en-US" altLang="zh-CN" sz="2400" b="1" dirty="0">
-              <a:solidFill>
-                <a:schemeClr val="bg1"/>
-              </a:solidFill>
-              <a:cs typeface="+mn-ea"/>
-              <a:sym typeface="+mn-lt"/>
-            </a:endParaRPr>
-          </a:p>
-          <a:p>
-            <a:pPr marL="742950" lvl="1" indent="-285750">
-              <a:buClr>
-                <a:srgbClr val="339FD6"/>
-              </a:buClr>
-              <a:buFont typeface="Wingdings" panose="05000000000000000000" pitchFamily="2" charset="2"/>
-              <a:buChar char="l"/>
-            </a:pPr>
-            <a:r>
-              <a:rPr lang="zh-CN" altLang="en-US" sz="2400" b="1" dirty="0">
-                <a:solidFill>
-                  <a:schemeClr val="bg1"/>
-                </a:solidFill>
-                <a:cs typeface="+mn-ea"/>
-                <a:sym typeface="+mn-lt"/>
-              </a:rPr>
-              <a:t>如果已知</a:t>
-            </a:r>
-            <a:r>
-              <a:rPr lang="en-US" altLang="zh-CN" sz="2400" b="1" dirty="0">
-                <a:solidFill>
-                  <a:schemeClr val="bg1"/>
-                </a:solidFill>
-                <a:cs typeface="+mn-ea"/>
-                <a:sym typeface="+mn-lt"/>
-              </a:rPr>
-              <a:t>Data1,Data2</a:t>
-            </a:r>
-            <a:r>
-              <a:rPr lang="zh-CN" altLang="en-US" sz="2400" b="1" dirty="0">
-                <a:solidFill>
-                  <a:schemeClr val="bg1"/>
-                </a:solidFill>
-                <a:cs typeface="+mn-ea"/>
-                <a:sym typeface="+mn-lt"/>
-              </a:rPr>
-              <a:t>任意一個，則可解出另一個</a:t>
-            </a:r>
-            <a:endParaRPr lang="en-US" altLang="id-ID" sz="2400" b="1" dirty="0">
-              <a:solidFill>
-                <a:schemeClr val="bg1"/>
-              </a:solidFill>
-              <a:cs typeface="+mn-ea"/>
-              <a:sym typeface="+mn-lt"/>
-            </a:endParaRPr>
-          </a:p>
-          <a:p>
-            <a:endParaRPr lang="en-US" altLang="id-ID" sz="2400" b="1" dirty="0">
-              <a:solidFill>
-                <a:schemeClr val="bg1"/>
-              </a:solidFill>
-              <a:cs typeface="+mn-ea"/>
-              <a:sym typeface="+mn-lt"/>
-            </a:endParaRPr>
-          </a:p>
-          <a:p>
-            <a:pPr marL="800100" lvl="1" indent="-342900">
-              <a:buClr>
-                <a:srgbClr val="339FD6"/>
-              </a:buClr>
-              <a:buFont typeface="Wingdings" panose="05000000000000000000" pitchFamily="2" charset="2"/>
-              <a:buChar char="l"/>
-            </a:pPr>
-            <a:endParaRPr lang="en-US" altLang="id-ID" sz="2400" b="1" dirty="0">
-              <a:solidFill>
-                <a:schemeClr val="bg1"/>
-              </a:solidFill>
-              <a:cs typeface="+mn-ea"/>
-              <a:sym typeface="+mn-lt"/>
-            </a:endParaRPr>
-          </a:p>
-        </p:txBody>
-      </p:sp>
+      </p:pic>
+      <p:pic>
+        <p:nvPicPr>
+          <p:cNvPr id="12" name="圖形 11">
+            <a:extLst>
+              <a:ext uri="{FF2B5EF4-FFF2-40B4-BE49-F238E27FC236}">
+                <a16:creationId xmlns:a16="http://schemas.microsoft.com/office/drawing/2014/main" xmlns="" id="{30CA2E1F-9244-4E6C-9677-1E5E91882170}"/>
+              </a:ext>
+            </a:extLst>
+          </p:cNvPr>
+          <p:cNvPicPr>
+            <a:picLocks noChangeAspect="1"/>
+          </p:cNvPicPr>
+          <p:nvPr/>
+        </p:nvPicPr>
+        <p:blipFill>
+          <a:blip r:embed="rId6">
+            <a:extLst>
+              <a:ext uri="{28A0092B-C50C-407E-A947-70E740481C1C}">
+                <a14:useLocalDpi xmlns:a14="http://schemas.microsoft.com/office/drawing/2010/main" val="0"/>
+              </a:ext>
+              <a:ext uri="{96DAC541-7B7A-43D3-8B79-37D633B846F1}">
+                <asvg:svgBlip xmlns:asvg="http://schemas.microsoft.com/office/drawing/2016/SVG/main" xmlns="" r:embed="rId7"/>
+              </a:ext>
+            </a:extLst>
+          </a:blip>
+          <a:stretch>
+            <a:fillRect/>
+          </a:stretch>
+        </p:blipFill>
+        <p:spPr>
+          <a:xfrm>
+            <a:off x="768000" y="2715447"/>
+            <a:ext cx="1427105" cy="1427105"/>
+          </a:xfrm>
+          <a:prstGeom prst="rect">
+            <a:avLst/>
+          </a:prstGeom>
+        </p:spPr>
+      </p:pic>
     </p:spTree>
     <p:extLst>
       <p:ext uri="{BB962C8B-B14F-4D97-AF65-F5344CB8AC3E}">
-        <p14:creationId xmlns:p14="http://schemas.microsoft.com/office/powerpoint/2010/main" val="3775155363"/>
+        <p14:creationId xmlns:p14="http://schemas.microsoft.com/office/powerpoint/2010/main" val="2491435372"/>
       </p:ext>
     </p:extLst>
   </p:cSld>
@@ -13043,6 +12940,442 @@
         </p:nvSpPr>
         <p:spPr>
           <a:xfrm>
+            <a:off x="4726751" y="221807"/>
+            <a:ext cx="2018501" cy="923330"/>
+          </a:xfrm>
+          <a:prstGeom prst="rect">
+            <a:avLst/>
+          </a:prstGeom>
+          <a:noFill/>
+        </p:spPr>
+        <p:txBody>
+          <a:bodyPr wrap="none" rtlCol="0">
+            <a:spAutoFit/>
+          </a:bodyPr>
+          <a:lstStyle/>
+          <a:p>
+            <a:pPr algn="ctr" defTabSz="1218565"/>
+            <a:r>
+              <a:rPr lang="en-US" altLang="zh-CN" sz="5400" dirty="0">
+                <a:solidFill>
+                  <a:schemeClr val="bg1"/>
+                </a:solidFill>
+                <a:cs typeface="+mn-ea"/>
+                <a:sym typeface="+mn-lt"/>
+              </a:rPr>
+              <a:t>Math?</a:t>
+            </a:r>
+            <a:endParaRPr lang="zh-CN" altLang="en-US" sz="5400" dirty="0">
+              <a:solidFill>
+                <a:schemeClr val="bg1"/>
+              </a:solidFill>
+              <a:cs typeface="+mn-ea"/>
+              <a:sym typeface="+mn-lt"/>
+            </a:endParaRPr>
+          </a:p>
+        </p:txBody>
+      </p:sp>
+      <p:sp>
+        <p:nvSpPr>
+          <p:cNvPr id="7" name="TextBox 36">
+            <a:extLst>
+              <a:ext uri="{FF2B5EF4-FFF2-40B4-BE49-F238E27FC236}">
+                <a16:creationId xmlns:a16="http://schemas.microsoft.com/office/drawing/2014/main" xmlns="" id="{4946F5FA-D0BF-45D4-8283-1404D73E72C9}"/>
+              </a:ext>
+            </a:extLst>
+          </p:cNvPr>
+          <p:cNvSpPr txBox="1"/>
+          <p:nvPr/>
+        </p:nvSpPr>
+        <p:spPr>
+          <a:xfrm>
+            <a:off x="1151105" y="1620245"/>
+            <a:ext cx="9792000" cy="1015663"/>
+          </a:xfrm>
+          <a:prstGeom prst="rect">
+            <a:avLst/>
+          </a:prstGeom>
+          <a:noFill/>
+        </p:spPr>
+        <p:txBody>
+          <a:bodyPr wrap="square" rtlCol="0">
+            <a:spAutoFit/>
+          </a:bodyPr>
+          <a:lstStyle/>
+          <a:p>
+            <a:pPr algn="ctr"/>
+            <a:r>
+              <a:rPr lang="en-US" altLang="zh-CN" sz="6000" dirty="0">
+                <a:solidFill>
+                  <a:schemeClr val="bg1"/>
+                </a:solidFill>
+                <a:cs typeface="+mn-ea"/>
+                <a:sym typeface="+mn-lt"/>
+              </a:rPr>
+              <a:t>A</a:t>
+            </a:r>
+            <a:r>
+              <a:rPr lang="sv-SE" sz="6000" dirty="0">
+                <a:solidFill>
+                  <a:schemeClr val="bg1"/>
+                </a:solidFill>
+                <a:cs typeface="+mn-ea"/>
+                <a:sym typeface="+mn-lt"/>
+              </a:rPr>
+              <a:t> xor </a:t>
+            </a:r>
+            <a:r>
+              <a:rPr lang="en-US" altLang="zh-CN" sz="6000" dirty="0">
+                <a:solidFill>
+                  <a:schemeClr val="bg1"/>
+                </a:solidFill>
+                <a:cs typeface="+mn-ea"/>
+                <a:sym typeface="+mn-lt"/>
+              </a:rPr>
+              <a:t>B</a:t>
+            </a:r>
+            <a:r>
+              <a:rPr lang="sv-SE" sz="6000" dirty="0">
+                <a:solidFill>
+                  <a:schemeClr val="bg1"/>
+                </a:solidFill>
+                <a:cs typeface="+mn-ea"/>
+                <a:sym typeface="+mn-lt"/>
+              </a:rPr>
+              <a:t> = </a:t>
+            </a:r>
+            <a:r>
+              <a:rPr lang="en-US" altLang="zh-CN" sz="6000" dirty="0">
+                <a:solidFill>
+                  <a:schemeClr val="bg1"/>
+                </a:solidFill>
+                <a:cs typeface="+mn-ea"/>
+                <a:sym typeface="+mn-lt"/>
+              </a:rPr>
+              <a:t>Data</a:t>
+            </a:r>
+            <a:r>
+              <a:rPr lang="sv-SE" sz="6000" dirty="0">
+                <a:solidFill>
+                  <a:schemeClr val="bg1"/>
+                </a:solidFill>
+                <a:cs typeface="+mn-ea"/>
+                <a:sym typeface="+mn-lt"/>
+              </a:rPr>
+              <a:t>1 xor </a:t>
+            </a:r>
+            <a:r>
+              <a:rPr lang="en-US" altLang="zh-CN" sz="6000" dirty="0">
+                <a:solidFill>
+                  <a:schemeClr val="bg1"/>
+                </a:solidFill>
+                <a:cs typeface="+mn-ea"/>
+                <a:sym typeface="+mn-lt"/>
+              </a:rPr>
+              <a:t>Data</a:t>
+            </a:r>
+            <a:r>
+              <a:rPr lang="sv-SE" sz="6000" dirty="0">
+                <a:solidFill>
+                  <a:schemeClr val="bg1"/>
+                </a:solidFill>
+                <a:cs typeface="+mn-ea"/>
+                <a:sym typeface="+mn-lt"/>
+              </a:rPr>
+              <a:t>2</a:t>
+            </a:r>
+            <a:endParaRPr lang="en-US" sz="6000" dirty="0">
+              <a:solidFill>
+                <a:schemeClr val="bg1"/>
+              </a:solidFill>
+              <a:cs typeface="+mn-ea"/>
+              <a:sym typeface="+mn-lt"/>
+            </a:endParaRPr>
+          </a:p>
+        </p:txBody>
+      </p:sp>
+      <p:sp>
+        <p:nvSpPr>
+          <p:cNvPr id="10" name="TextBox 36">
+            <a:extLst>
+              <a:ext uri="{FF2B5EF4-FFF2-40B4-BE49-F238E27FC236}">
+                <a16:creationId xmlns:a16="http://schemas.microsoft.com/office/drawing/2014/main" xmlns="" id="{17388224-F329-4947-92B6-A50AF4911E02}"/>
+              </a:ext>
+            </a:extLst>
+          </p:cNvPr>
+          <p:cNvSpPr txBox="1"/>
+          <p:nvPr/>
+        </p:nvSpPr>
+        <p:spPr>
+          <a:xfrm>
+            <a:off x="2280001" y="2925000"/>
+            <a:ext cx="7920000" cy="2523768"/>
+          </a:xfrm>
+          <a:prstGeom prst="rect">
+            <a:avLst/>
+          </a:prstGeom>
+          <a:noFill/>
+        </p:spPr>
+        <p:txBody>
+          <a:bodyPr wrap="square" rtlCol="0">
+            <a:spAutoFit/>
+          </a:bodyPr>
+          <a:lstStyle/>
+          <a:p>
+            <a:endParaRPr lang="en-US" altLang="id-ID" sz="2000" b="1" dirty="0">
+              <a:solidFill>
+                <a:schemeClr val="bg1"/>
+              </a:solidFill>
+              <a:cs typeface="+mn-ea"/>
+              <a:sym typeface="+mn-lt"/>
+            </a:endParaRPr>
+          </a:p>
+          <a:p>
+            <a:endParaRPr lang="en-US" altLang="id-ID" b="1" dirty="0">
+              <a:solidFill>
+                <a:schemeClr val="bg1"/>
+              </a:solidFill>
+              <a:cs typeface="+mn-ea"/>
+              <a:sym typeface="+mn-lt"/>
+            </a:endParaRPr>
+          </a:p>
+          <a:p>
+            <a:pPr marL="742950" lvl="1" indent="-285750">
+              <a:buClr>
+                <a:srgbClr val="339FD6"/>
+              </a:buClr>
+              <a:buFont typeface="Wingdings" panose="05000000000000000000" pitchFamily="2" charset="2"/>
+              <a:buChar char="l"/>
+            </a:pPr>
+            <a:r>
+              <a:rPr lang="zh-CN" altLang="en-US" sz="2400" b="1" dirty="0">
+                <a:solidFill>
+                  <a:schemeClr val="bg1"/>
+                </a:solidFill>
+                <a:cs typeface="+mn-ea"/>
+                <a:sym typeface="+mn-lt"/>
+              </a:rPr>
+              <a:t>已知密文</a:t>
+            </a:r>
+            <a:r>
+              <a:rPr lang="en-US" altLang="zh-CN" sz="2400" b="1" dirty="0">
+                <a:solidFill>
+                  <a:schemeClr val="bg1"/>
+                </a:solidFill>
+                <a:cs typeface="+mn-ea"/>
+                <a:sym typeface="+mn-lt"/>
+              </a:rPr>
+              <a:t>A</a:t>
+            </a:r>
+            <a:r>
+              <a:rPr lang="zh-CN" altLang="en-US" sz="2400" b="1" dirty="0">
+                <a:solidFill>
+                  <a:schemeClr val="bg1"/>
+                </a:solidFill>
+                <a:cs typeface="+mn-ea"/>
+                <a:sym typeface="+mn-lt"/>
+              </a:rPr>
+              <a:t>，</a:t>
+            </a:r>
+            <a:r>
+              <a:rPr lang="en-US" altLang="zh-CN" sz="2400" b="1" dirty="0">
+                <a:solidFill>
+                  <a:schemeClr val="bg1"/>
+                </a:solidFill>
+                <a:cs typeface="+mn-ea"/>
+                <a:sym typeface="+mn-lt"/>
+              </a:rPr>
+              <a:t>B</a:t>
+            </a:r>
+          </a:p>
+          <a:p>
+            <a:pPr marL="742950" lvl="1" indent="-285750">
+              <a:buClr>
+                <a:srgbClr val="339FD6"/>
+              </a:buClr>
+              <a:buFont typeface="Wingdings" panose="05000000000000000000" pitchFamily="2" charset="2"/>
+              <a:buChar char="l"/>
+            </a:pPr>
+            <a:endParaRPr lang="en-US" altLang="zh-CN" sz="2400" b="1" dirty="0">
+              <a:solidFill>
+                <a:schemeClr val="bg1"/>
+              </a:solidFill>
+              <a:cs typeface="+mn-ea"/>
+              <a:sym typeface="+mn-lt"/>
+            </a:endParaRPr>
+          </a:p>
+          <a:p>
+            <a:pPr marL="742950" lvl="1" indent="-285750">
+              <a:buClr>
+                <a:srgbClr val="339FD6"/>
+              </a:buClr>
+              <a:buFont typeface="Wingdings" panose="05000000000000000000" pitchFamily="2" charset="2"/>
+              <a:buChar char="l"/>
+            </a:pPr>
+            <a:r>
+              <a:rPr lang="zh-CN" altLang="en-US" sz="2400" b="1" dirty="0">
+                <a:solidFill>
+                  <a:schemeClr val="bg1"/>
+                </a:solidFill>
+                <a:cs typeface="+mn-ea"/>
+                <a:sym typeface="+mn-lt"/>
+              </a:rPr>
+              <a:t>如果已知</a:t>
+            </a:r>
+            <a:r>
+              <a:rPr lang="en-US" altLang="zh-CN" sz="2400" b="1" dirty="0">
+                <a:solidFill>
+                  <a:schemeClr val="bg1"/>
+                </a:solidFill>
+                <a:cs typeface="+mn-ea"/>
+                <a:sym typeface="+mn-lt"/>
+              </a:rPr>
+              <a:t>Data1,Data2</a:t>
+            </a:r>
+            <a:r>
+              <a:rPr lang="zh-CN" altLang="en-US" sz="2400" b="1" dirty="0">
+                <a:solidFill>
+                  <a:schemeClr val="bg1"/>
+                </a:solidFill>
+                <a:cs typeface="+mn-ea"/>
+                <a:sym typeface="+mn-lt"/>
+              </a:rPr>
+              <a:t>任意一個，則可解出另一個</a:t>
+            </a:r>
+            <a:endParaRPr lang="en-US" altLang="id-ID" sz="2400" b="1" dirty="0">
+              <a:solidFill>
+                <a:schemeClr val="bg1"/>
+              </a:solidFill>
+              <a:cs typeface="+mn-ea"/>
+              <a:sym typeface="+mn-lt"/>
+            </a:endParaRPr>
+          </a:p>
+          <a:p>
+            <a:endParaRPr lang="en-US" altLang="id-ID" sz="2400" b="1" dirty="0">
+              <a:solidFill>
+                <a:schemeClr val="bg1"/>
+              </a:solidFill>
+              <a:cs typeface="+mn-ea"/>
+              <a:sym typeface="+mn-lt"/>
+            </a:endParaRPr>
+          </a:p>
+          <a:p>
+            <a:pPr marL="800100" lvl="1" indent="-342900">
+              <a:buClr>
+                <a:srgbClr val="339FD6"/>
+              </a:buClr>
+              <a:buFont typeface="Wingdings" panose="05000000000000000000" pitchFamily="2" charset="2"/>
+              <a:buChar char="l"/>
+            </a:pPr>
+            <a:endParaRPr lang="en-US" altLang="id-ID" sz="2400" b="1" dirty="0">
+              <a:solidFill>
+                <a:schemeClr val="bg1"/>
+              </a:solidFill>
+              <a:cs typeface="+mn-ea"/>
+              <a:sym typeface="+mn-lt"/>
+            </a:endParaRPr>
+          </a:p>
+        </p:txBody>
+      </p:sp>
+    </p:spTree>
+    <p:extLst>
+      <p:ext uri="{BB962C8B-B14F-4D97-AF65-F5344CB8AC3E}">
+        <p14:creationId xmlns:p14="http://schemas.microsoft.com/office/powerpoint/2010/main" val="3775155363"/>
+      </p:ext>
+    </p:extLst>
+  </p:cSld>
+  <p:clrMapOvr>
+    <a:masterClrMapping/>
+  </p:clrMapOvr>
+  <mc:AlternateContent xmlns:mc="http://schemas.openxmlformats.org/markup-compatibility/2006" xmlns:p14="http://schemas.microsoft.com/office/powerpoint/2010/main">
+    <mc:Choice Requires="p14">
+      <p:transition spd="slow" p14:dur="1500">
+        <p:random/>
+      </p:transition>
+    </mc:Choice>
+    <mc:Fallback xmlns="">
+      <p:transition spd="slow">
+        <p:random/>
+      </p:transition>
+    </mc:Fallback>
+  </mc:AlternateContent>
+</p:sld>
+</file>
+
+<file path=ppt/slides/slide12.xml><?xml version="1.0" encoding="utf-8"?>
+<p:sld xmlns:a="http://schemas.openxmlformats.org/drawingml/2006/main" xmlns:r="http://schemas.openxmlformats.org/officeDocument/2006/relationships" xmlns:p="http://schemas.openxmlformats.org/presentationml/2006/main">
+  <p:cSld>
+    <p:spTree>
+      <p:nvGrpSpPr>
+        <p:cNvPr id="1" name=""/>
+        <p:cNvGrpSpPr/>
+        <p:nvPr/>
+      </p:nvGrpSpPr>
+      <p:grpSpPr>
+        <a:xfrm>
+          <a:off x="0" y="0"/>
+          <a:ext cx="0" cy="0"/>
+          <a:chOff x="0" y="0"/>
+          <a:chExt cx="0" cy="0"/>
+        </a:xfrm>
+      </p:grpSpPr>
+      <p:sp>
+        <p:nvSpPr>
+          <p:cNvPr id="51" name="Rectangle 50"/>
+          <p:cNvSpPr/>
+          <p:nvPr/>
+        </p:nvSpPr>
+        <p:spPr>
+          <a:xfrm rot="5400000" flipH="1">
+            <a:off x="6027305" y="-2405265"/>
+            <a:ext cx="39600" cy="6924675"/>
+          </a:xfrm>
+          <a:prstGeom prst="rect">
+            <a:avLst/>
+          </a:prstGeom>
+          <a:solidFill>
+            <a:schemeClr val="accent1"/>
+          </a:solidFill>
+          <a:ln>
+            <a:noFill/>
+          </a:ln>
+        </p:spPr>
+        <p:style>
+          <a:lnRef idx="2">
+            <a:schemeClr val="accent1">
+              <a:shade val="50000"/>
+            </a:schemeClr>
+          </a:lnRef>
+          <a:fillRef idx="1">
+            <a:schemeClr val="accent1"/>
+          </a:fillRef>
+          <a:effectRef idx="0">
+            <a:schemeClr val="accent1"/>
+          </a:effectRef>
+          <a:fontRef idx="minor">
+            <a:schemeClr val="lt1"/>
+          </a:fontRef>
+        </p:style>
+        <p:txBody>
+          <a:bodyPr rtlCol="0" anchor="ctr"/>
+          <a:lstStyle/>
+          <a:p>
+            <a:pPr algn="ctr"/>
+            <a:endParaRPr lang="en-US" sz="2400">
+              <a:cs typeface="+mn-ea"/>
+              <a:sym typeface="+mn-lt"/>
+            </a:endParaRPr>
+          </a:p>
+        </p:txBody>
+      </p:sp>
+      <p:sp>
+        <p:nvSpPr>
+          <p:cNvPr id="52" name="TextBox 51"/>
+          <p:cNvSpPr txBox="1"/>
+          <p:nvPr/>
+        </p:nvSpPr>
+        <p:spPr>
+          <a:xfrm>
             <a:off x="3948494" y="221807"/>
             <a:ext cx="3575018" cy="923330"/>
           </a:xfrm>
@@ -13083,7 +13416,7 @@
           <p:cNvPr id="7" name="橢圓 6">
             <a:extLst>
               <a:ext uri="{FF2B5EF4-FFF2-40B4-BE49-F238E27FC236}">
-                <a16:creationId xmlns:a16="http://schemas.microsoft.com/office/drawing/2014/main" id="{A55828B6-FE93-43F8-810B-90E6621CA373}"/>
+                <a16:creationId xmlns:a16="http://schemas.microsoft.com/office/drawing/2014/main" xmlns="" id="{A55828B6-FE93-43F8-810B-90E6621CA373}"/>
               </a:ext>
             </a:extLst>
           </p:cNvPr>
@@ -13129,7 +13462,7 @@
           <p:cNvPr id="4" name="圖形 3">
             <a:extLst>
               <a:ext uri="{FF2B5EF4-FFF2-40B4-BE49-F238E27FC236}">
-                <a16:creationId xmlns:a16="http://schemas.microsoft.com/office/drawing/2014/main" id="{B3AB7FDC-E602-4BA4-B960-DF38822BAF5E}"/>
+                <a16:creationId xmlns:a16="http://schemas.microsoft.com/office/drawing/2014/main" xmlns="" id="{B3AB7FDC-E602-4BA4-B960-DF38822BAF5E}"/>
               </a:ext>
             </a:extLst>
           </p:cNvPr>
@@ -13145,7 +13478,7 @@
                 <a14:useLocalDpi xmlns:a14="http://schemas.microsoft.com/office/drawing/2010/main" val="0"/>
               </a:ext>
               <a:ext uri="{96DAC541-7B7A-43D3-8B79-37D633B846F1}">
-                <asvg:svgBlip xmlns:asvg="http://schemas.microsoft.com/office/drawing/2016/SVG/main" r:embed="rId4"/>
+                <asvg:svgBlip xmlns:asvg="http://schemas.microsoft.com/office/drawing/2016/SVG/main" xmlns="" r:embed="rId4"/>
               </a:ext>
             </a:extLst>
           </a:blip>
@@ -13168,7 +13501,7 @@
           <p:cNvPr id="13" name="TextBox 41">
             <a:extLst>
               <a:ext uri="{FF2B5EF4-FFF2-40B4-BE49-F238E27FC236}">
-                <a16:creationId xmlns:a16="http://schemas.microsoft.com/office/drawing/2014/main" id="{19610036-50A1-474B-B055-0B7E34A2398B}"/>
+                <a16:creationId xmlns:a16="http://schemas.microsoft.com/office/drawing/2014/main" xmlns="" id="{19610036-50A1-474B-B055-0B7E34A2398B}"/>
               </a:ext>
             </a:extLst>
           </p:cNvPr>
@@ -13438,7 +13771,7 @@
           <p:cNvPr id="14" name="橢圓 13">
             <a:extLst>
               <a:ext uri="{FF2B5EF4-FFF2-40B4-BE49-F238E27FC236}">
-                <a16:creationId xmlns:a16="http://schemas.microsoft.com/office/drawing/2014/main" id="{D1A2D565-3053-4EAD-A0D3-61D522740487}"/>
+                <a16:creationId xmlns:a16="http://schemas.microsoft.com/office/drawing/2014/main" xmlns="" id="{D1A2D565-3053-4EAD-A0D3-61D522740487}"/>
               </a:ext>
             </a:extLst>
           </p:cNvPr>
@@ -13484,7 +13817,7 @@
           <p:cNvPr id="10" name="圖形 9">
             <a:extLst>
               <a:ext uri="{FF2B5EF4-FFF2-40B4-BE49-F238E27FC236}">
-                <a16:creationId xmlns:a16="http://schemas.microsoft.com/office/drawing/2014/main" id="{9B928047-5AC3-4A11-9D70-F3A0CF28B4CC}"/>
+                <a16:creationId xmlns:a16="http://schemas.microsoft.com/office/drawing/2014/main" xmlns="" id="{9B928047-5AC3-4A11-9D70-F3A0CF28B4CC}"/>
               </a:ext>
             </a:extLst>
           </p:cNvPr>
@@ -13500,7 +13833,7 @@
                 <a14:useLocalDpi xmlns:a14="http://schemas.microsoft.com/office/drawing/2010/main" val="0"/>
               </a:ext>
               <a:ext uri="{96DAC541-7B7A-43D3-8B79-37D633B846F1}">
-                <asvg:svgBlip xmlns:asvg="http://schemas.microsoft.com/office/drawing/2016/SVG/main" r:embed="rId6"/>
+                <asvg:svgBlip xmlns:asvg="http://schemas.microsoft.com/office/drawing/2016/SVG/main" xmlns="" r:embed="rId6"/>
               </a:ext>
             </a:extLst>
           </a:blip>
@@ -13543,7 +13876,7 @@
 </p:sld>
 </file>
 
-<file path=ppt/slides/slide12.xml><?xml version="1.0" encoding="utf-8"?>
+<file path=ppt/slides/slide13.xml><?xml version="1.0" encoding="utf-8"?>
 <p:sld xmlns:a="http://schemas.openxmlformats.org/drawingml/2006/main" xmlns:r="http://schemas.openxmlformats.org/officeDocument/2006/relationships" xmlns:p="http://schemas.openxmlformats.org/presentationml/2006/main">
   <p:cSld>
     <p:spTree>
@@ -13618,6 +13951,451 @@
 </file>
 
 <file path=ppt/slides/slide2.xml><?xml version="1.0" encoding="utf-8"?>
+<p:sld xmlns:a="http://schemas.openxmlformats.org/drawingml/2006/main" xmlns:r="http://schemas.openxmlformats.org/officeDocument/2006/relationships" xmlns:p="http://schemas.openxmlformats.org/presentationml/2006/main">
+  <p:cSld>
+    <p:spTree>
+      <p:nvGrpSpPr>
+        <p:cNvPr id="1" name=""/>
+        <p:cNvGrpSpPr/>
+        <p:nvPr/>
+      </p:nvGrpSpPr>
+      <p:grpSpPr>
+        <a:xfrm>
+          <a:off x="0" y="0"/>
+          <a:ext cx="0" cy="0"/>
+          <a:chOff x="0" y="0"/>
+          <a:chExt cx="0" cy="0"/>
+        </a:xfrm>
+      </p:grpSpPr>
+      <p:sp>
+        <p:nvSpPr>
+          <p:cNvPr id="51" name="Rectangle 50"/>
+          <p:cNvSpPr/>
+          <p:nvPr/>
+        </p:nvSpPr>
+        <p:spPr>
+          <a:xfrm rot="5400000" flipH="1">
+            <a:off x="6027305" y="-2405265"/>
+            <a:ext cx="39600" cy="6924675"/>
+          </a:xfrm>
+          <a:prstGeom prst="rect">
+            <a:avLst/>
+          </a:prstGeom>
+          <a:solidFill>
+            <a:schemeClr val="accent1"/>
+          </a:solidFill>
+          <a:ln>
+            <a:noFill/>
+          </a:ln>
+        </p:spPr>
+        <p:style>
+          <a:lnRef idx="2">
+            <a:schemeClr val="accent1">
+              <a:shade val="50000"/>
+            </a:schemeClr>
+          </a:lnRef>
+          <a:fillRef idx="1">
+            <a:schemeClr val="accent1"/>
+          </a:fillRef>
+          <a:effectRef idx="0">
+            <a:schemeClr val="accent1"/>
+          </a:effectRef>
+          <a:fontRef idx="minor">
+            <a:schemeClr val="lt1"/>
+          </a:fontRef>
+        </p:style>
+        <p:txBody>
+          <a:bodyPr rtlCol="0" anchor="ctr"/>
+          <a:lstStyle/>
+          <a:p>
+            <a:pPr algn="ctr"/>
+            <a:endParaRPr lang="en-US" sz="2400">
+              <a:cs typeface="+mn-ea"/>
+              <a:sym typeface="+mn-lt"/>
+            </a:endParaRPr>
+          </a:p>
+        </p:txBody>
+      </p:sp>
+      <p:sp>
+        <p:nvSpPr>
+          <p:cNvPr id="52" name="TextBox 51"/>
+          <p:cNvSpPr txBox="1"/>
+          <p:nvPr/>
+        </p:nvSpPr>
+        <p:spPr>
+          <a:xfrm>
+            <a:off x="2200034" y="221807"/>
+            <a:ext cx="7071937" cy="923330"/>
+          </a:xfrm>
+          <a:prstGeom prst="rect">
+            <a:avLst/>
+          </a:prstGeom>
+          <a:noFill/>
+        </p:spPr>
+        <p:txBody>
+          <a:bodyPr wrap="none" rtlCol="0">
+            <a:spAutoFit/>
+          </a:bodyPr>
+          <a:lstStyle/>
+          <a:p>
+            <a:pPr algn="ctr" defTabSz="1218565"/>
+            <a:r>
+              <a:rPr lang="en-US" altLang="zh-CN" sz="5400" dirty="0">
+                <a:solidFill>
+                  <a:schemeClr val="bg1"/>
+                </a:solidFill>
+                <a:cs typeface="+mn-ea"/>
+                <a:sym typeface="+mn-lt"/>
+              </a:rPr>
+              <a:t>How </a:t>
+            </a:r>
+            <a:r>
+              <a:rPr lang="en-US" altLang="zh-CN" sz="5400" dirty="0" smtClean="0">
+                <a:solidFill>
+                  <a:schemeClr val="bg1"/>
+                </a:solidFill>
+                <a:cs typeface="+mn-ea"/>
+                <a:sym typeface="+mn-lt"/>
+              </a:rPr>
+              <a:t>to</a:t>
+            </a:r>
+            <a:r>
+              <a:rPr lang="zh-CN" altLang="en-US" sz="5400" dirty="0" smtClean="0">
+                <a:solidFill>
+                  <a:schemeClr val="bg1"/>
+                </a:solidFill>
+                <a:cs typeface="+mn-ea"/>
+                <a:sym typeface="+mn-lt"/>
+              </a:rPr>
+              <a:t> </a:t>
+            </a:r>
+            <a:r>
+              <a:rPr lang="en-US" altLang="zh-CN" sz="5400" dirty="0" smtClean="0">
+                <a:solidFill>
+                  <a:schemeClr val="bg1"/>
+                </a:solidFill>
+                <a:cs typeface="+mn-ea"/>
+                <a:sym typeface="+mn-lt"/>
+              </a:rPr>
+              <a:t>secure</a:t>
+            </a:r>
+            <a:r>
+              <a:rPr lang="zh-CN" altLang="en-US" sz="5400" dirty="0" smtClean="0">
+                <a:solidFill>
+                  <a:schemeClr val="bg1"/>
+                </a:solidFill>
+                <a:cs typeface="+mn-ea"/>
+                <a:sym typeface="+mn-lt"/>
+              </a:rPr>
+              <a:t> </a:t>
+            </a:r>
+            <a:r>
+              <a:rPr lang="en-US" altLang="zh-CN" sz="5400" dirty="0" smtClean="0">
+                <a:solidFill>
+                  <a:schemeClr val="bg1"/>
+                </a:solidFill>
+                <a:cs typeface="+mn-ea"/>
+                <a:sym typeface="+mn-lt"/>
+              </a:rPr>
+              <a:t>you</a:t>
+            </a:r>
+            <a:r>
+              <a:rPr lang="zh-CN" altLang="en-US" sz="5400" dirty="0" smtClean="0">
+                <a:solidFill>
+                  <a:schemeClr val="bg1"/>
+                </a:solidFill>
+                <a:cs typeface="+mn-ea"/>
+                <a:sym typeface="+mn-lt"/>
+              </a:rPr>
+              <a:t> </a:t>
+            </a:r>
+            <a:r>
+              <a:rPr lang="en-US" altLang="zh-CN" sz="5400" dirty="0" err="1" smtClean="0">
+                <a:solidFill>
+                  <a:schemeClr val="bg1"/>
+                </a:solidFill>
+                <a:cs typeface="+mn-ea"/>
+                <a:sym typeface="+mn-lt"/>
+              </a:rPr>
+              <a:t>wifi</a:t>
+            </a:r>
+            <a:r>
+              <a:rPr lang="en-US" altLang="zh-CN" sz="5400" dirty="0" smtClean="0">
+                <a:solidFill>
+                  <a:schemeClr val="bg1"/>
+                </a:solidFill>
+                <a:cs typeface="+mn-ea"/>
+                <a:sym typeface="+mn-lt"/>
+              </a:rPr>
+              <a:t>?</a:t>
+            </a:r>
+            <a:endParaRPr lang="zh-CN" altLang="en-US" sz="5400" dirty="0">
+              <a:solidFill>
+                <a:schemeClr val="bg1"/>
+              </a:solidFill>
+              <a:cs typeface="+mn-ea"/>
+              <a:sym typeface="+mn-lt"/>
+            </a:endParaRPr>
+          </a:p>
+        </p:txBody>
+      </p:sp>
+      <p:sp>
+        <p:nvSpPr>
+          <p:cNvPr id="7" name="TextBox 36">
+            <a:extLst>
+              <a:ext uri="{FF2B5EF4-FFF2-40B4-BE49-F238E27FC236}">
+                <a16:creationId xmlns:a16="http://schemas.microsoft.com/office/drawing/2014/main" xmlns="" id="{D917A74A-031D-41A6-A130-52F4249C7B01}"/>
+              </a:ext>
+            </a:extLst>
+          </p:cNvPr>
+          <p:cNvSpPr txBox="1"/>
+          <p:nvPr/>
+        </p:nvSpPr>
+        <p:spPr>
+          <a:xfrm>
+            <a:off x="2200034" y="1341000"/>
+            <a:ext cx="2699788" cy="5786199"/>
+          </a:xfrm>
+          <a:prstGeom prst="rect">
+            <a:avLst/>
+          </a:prstGeom>
+          <a:noFill/>
+        </p:spPr>
+        <p:txBody>
+          <a:bodyPr wrap="square" rtlCol="0">
+            <a:spAutoFit/>
+          </a:bodyPr>
+          <a:lstStyle/>
+          <a:p>
+            <a:endParaRPr lang="en-US" altLang="id-ID" b="1" dirty="0">
+              <a:solidFill>
+                <a:schemeClr val="bg1"/>
+              </a:solidFill>
+              <a:cs typeface="+mn-ea"/>
+              <a:sym typeface="+mn-lt"/>
+            </a:endParaRPr>
+          </a:p>
+          <a:p>
+            <a:pPr marL="742950" lvl="1" indent="-285750">
+              <a:buClr>
+                <a:srgbClr val="339FD6"/>
+              </a:buClr>
+              <a:buFont typeface="Wingdings" panose="05000000000000000000" pitchFamily="2" charset="2"/>
+              <a:buChar char="l"/>
+            </a:pPr>
+            <a:r>
+              <a:rPr lang="en-US" altLang="zh-CN" sz="4000" b="1" dirty="0" smtClean="0">
+                <a:solidFill>
+                  <a:schemeClr val="bg1"/>
+                </a:solidFill>
+                <a:cs typeface="+mn-ea"/>
+                <a:sym typeface="+mn-lt"/>
+              </a:rPr>
+              <a:t>Open</a:t>
+            </a:r>
+            <a:endParaRPr lang="en-US" altLang="id-ID" sz="4000" b="1" dirty="0">
+              <a:solidFill>
+                <a:schemeClr val="bg1"/>
+              </a:solidFill>
+              <a:cs typeface="+mn-ea"/>
+              <a:sym typeface="+mn-lt"/>
+            </a:endParaRPr>
+          </a:p>
+          <a:p>
+            <a:endParaRPr lang="en-US" altLang="id-ID" sz="4000" b="1" dirty="0">
+              <a:solidFill>
+                <a:schemeClr val="bg1"/>
+              </a:solidFill>
+              <a:cs typeface="+mn-ea"/>
+              <a:sym typeface="+mn-lt"/>
+            </a:endParaRPr>
+          </a:p>
+          <a:p>
+            <a:pPr marL="800100" lvl="1" indent="-342900">
+              <a:buClr>
+                <a:srgbClr val="339FD6"/>
+              </a:buClr>
+              <a:buFont typeface="Wingdings" panose="05000000000000000000" pitchFamily="2" charset="2"/>
+              <a:buChar char="l"/>
+            </a:pPr>
+            <a:r>
+              <a:rPr lang="en-US" altLang="zh-CN" sz="4000" b="1" dirty="0" smtClean="0">
+                <a:solidFill>
+                  <a:schemeClr val="bg1"/>
+                </a:solidFill>
+                <a:cs typeface="+mn-ea"/>
+                <a:sym typeface="+mn-lt"/>
+              </a:rPr>
+              <a:t>WEP</a:t>
+            </a:r>
+            <a:endParaRPr lang="en-US" altLang="id-ID" sz="4000" b="1" dirty="0" smtClean="0">
+              <a:solidFill>
+                <a:schemeClr val="bg1"/>
+              </a:solidFill>
+              <a:cs typeface="+mn-ea"/>
+              <a:sym typeface="+mn-lt"/>
+            </a:endParaRPr>
+          </a:p>
+          <a:p>
+            <a:pPr marL="800100" lvl="1" indent="-342900">
+              <a:buClr>
+                <a:srgbClr val="339FD6"/>
+              </a:buClr>
+              <a:buFont typeface="Wingdings" panose="05000000000000000000" pitchFamily="2" charset="2"/>
+              <a:buChar char="l"/>
+            </a:pPr>
+            <a:endParaRPr lang="en-US" altLang="id-ID" sz="4000" b="1" dirty="0" smtClean="0">
+              <a:solidFill>
+                <a:schemeClr val="bg1"/>
+              </a:solidFill>
+              <a:cs typeface="+mn-ea"/>
+              <a:sym typeface="+mn-lt"/>
+            </a:endParaRPr>
+          </a:p>
+          <a:p>
+            <a:pPr marL="800100" lvl="1" indent="-342900">
+              <a:buClr>
+                <a:srgbClr val="339FD6"/>
+              </a:buClr>
+              <a:buFont typeface="Wingdings" panose="05000000000000000000" pitchFamily="2" charset="2"/>
+              <a:buChar char="l"/>
+            </a:pPr>
+            <a:r>
+              <a:rPr lang="en-US" altLang="zh-CN" sz="4000" b="1" dirty="0" smtClean="0">
+                <a:solidFill>
+                  <a:schemeClr val="bg1"/>
+                </a:solidFill>
+                <a:cs typeface="+mn-ea"/>
+                <a:sym typeface="+mn-lt"/>
+              </a:rPr>
+              <a:t>WAP</a:t>
+            </a:r>
+            <a:endParaRPr lang="en-US" altLang="id-ID" sz="4000" b="1" dirty="0">
+              <a:solidFill>
+                <a:schemeClr val="bg1"/>
+              </a:solidFill>
+              <a:cs typeface="+mn-ea"/>
+              <a:sym typeface="+mn-lt"/>
+            </a:endParaRPr>
+          </a:p>
+          <a:p>
+            <a:pPr marL="800100" lvl="1" indent="-342900">
+              <a:buClr>
+                <a:srgbClr val="339FD6"/>
+              </a:buClr>
+              <a:buFont typeface="Wingdings" panose="05000000000000000000" pitchFamily="2" charset="2"/>
+              <a:buChar char="l"/>
+            </a:pPr>
+            <a:endParaRPr lang="en-US" altLang="id-ID" sz="4000" b="1" dirty="0">
+              <a:solidFill>
+                <a:schemeClr val="bg1"/>
+              </a:solidFill>
+              <a:cs typeface="+mn-ea"/>
+              <a:sym typeface="+mn-lt"/>
+            </a:endParaRPr>
+          </a:p>
+          <a:p>
+            <a:pPr marL="800100" lvl="1" indent="-342900">
+              <a:buClr>
+                <a:srgbClr val="339FD6"/>
+              </a:buClr>
+              <a:buFont typeface="Wingdings" panose="05000000000000000000" pitchFamily="2" charset="2"/>
+              <a:buChar char="l"/>
+            </a:pPr>
+            <a:r>
+              <a:rPr lang="en-US" altLang="zh-CN" sz="4000" b="1" dirty="0" smtClean="0">
+                <a:solidFill>
+                  <a:schemeClr val="bg1"/>
+                </a:solidFill>
+                <a:cs typeface="+mn-ea"/>
+                <a:sym typeface="+mn-lt"/>
+              </a:rPr>
+              <a:t>WAP2</a:t>
+            </a:r>
+            <a:endParaRPr lang="en-US" altLang="zh-CN" sz="4000" b="1" dirty="0">
+              <a:solidFill>
+                <a:schemeClr val="bg1"/>
+              </a:solidFill>
+              <a:cs typeface="+mn-ea"/>
+              <a:sym typeface="+mn-lt"/>
+            </a:endParaRPr>
+          </a:p>
+          <a:p>
+            <a:pPr marL="800100" lvl="1" indent="-342900">
+              <a:buClr>
+                <a:srgbClr val="339FD6"/>
+              </a:buClr>
+              <a:buFont typeface="Wingdings" panose="05000000000000000000" pitchFamily="2" charset="2"/>
+              <a:buChar char="l"/>
+            </a:pPr>
+            <a:endParaRPr lang="en-US" altLang="id-ID" sz="2400" b="1" dirty="0">
+              <a:solidFill>
+                <a:schemeClr val="bg1"/>
+              </a:solidFill>
+              <a:cs typeface="+mn-ea"/>
+              <a:sym typeface="+mn-lt"/>
+            </a:endParaRPr>
+          </a:p>
+          <a:p>
+            <a:pPr marL="800100" lvl="1" indent="-342900">
+              <a:buClr>
+                <a:srgbClr val="339FD6"/>
+              </a:buClr>
+              <a:buFont typeface="Wingdings" panose="05000000000000000000" pitchFamily="2" charset="2"/>
+              <a:buChar char="l"/>
+            </a:pPr>
+            <a:endParaRPr lang="en-US" altLang="id-ID" sz="2400" b="1" dirty="0">
+              <a:solidFill>
+                <a:schemeClr val="bg1"/>
+              </a:solidFill>
+              <a:cs typeface="+mn-ea"/>
+              <a:sym typeface="+mn-lt"/>
+            </a:endParaRPr>
+          </a:p>
+          <a:p>
+            <a:pPr marL="800100" lvl="1" indent="-342900">
+              <a:buClr>
+                <a:srgbClr val="339FD6"/>
+              </a:buClr>
+              <a:buFont typeface="Wingdings" panose="05000000000000000000" pitchFamily="2" charset="2"/>
+              <a:buChar char="l"/>
+            </a:pPr>
+            <a:endParaRPr lang="en-US" altLang="id-ID" sz="2400" b="1" dirty="0">
+              <a:solidFill>
+                <a:schemeClr val="bg1"/>
+              </a:solidFill>
+              <a:cs typeface="+mn-ea"/>
+              <a:sym typeface="+mn-lt"/>
+            </a:endParaRPr>
+          </a:p>
+        </p:txBody>
+      </p:sp>
+    </p:spTree>
+    <p:extLst>
+      <p:ext uri="{BB962C8B-B14F-4D97-AF65-F5344CB8AC3E}">
+        <p14:creationId xmlns:p14="http://schemas.microsoft.com/office/powerpoint/2010/main" val="896732806"/>
+      </p:ext>
+    </p:extLst>
+  </p:cSld>
+  <p:clrMapOvr>
+    <a:masterClrMapping/>
+  </p:clrMapOvr>
+  <mc:AlternateContent xmlns:mc="http://schemas.openxmlformats.org/markup-compatibility/2006" xmlns:p14="http://schemas.microsoft.com/office/powerpoint/2010/main">
+    <mc:Choice Requires="p14">
+      <p:transition spd="slow" p14:dur="1500">
+        <p:random/>
+      </p:transition>
+    </mc:Choice>
+    <mc:Fallback xmlns="">
+      <p:transition spd="slow">
+        <p:random/>
+      </p:transition>
+    </mc:Fallback>
+  </mc:AlternateContent>
+</p:sld>
+</file>
+
+<file path=ppt/slides/slide3.xml><?xml version="1.0" encoding="utf-8"?>
 <p:sld xmlns:a="http://schemas.openxmlformats.org/drawingml/2006/main" xmlns:r="http://schemas.openxmlformats.org/officeDocument/2006/relationships" xmlns:p="http://schemas.openxmlformats.org/presentationml/2006/main">
   <p:cSld>
     <p:spTree>
@@ -13772,7 +14550,7 @@
 </p:sld>
 </file>
 
-<file path=ppt/slides/slide3.xml><?xml version="1.0" encoding="utf-8"?>
+<file path=ppt/slides/slide4.xml><?xml version="1.0" encoding="utf-8"?>
 <p:sld xmlns:a="http://schemas.openxmlformats.org/drawingml/2006/main" xmlns:r="http://schemas.openxmlformats.org/officeDocument/2006/relationships" xmlns:p="http://schemas.openxmlformats.org/presentationml/2006/main">
   <p:cSld>
     <p:spTree>
@@ -13926,7 +14704,7 @@
           <p:cNvPr id="5" name="圖片 4">
             <a:extLst>
               <a:ext uri="{FF2B5EF4-FFF2-40B4-BE49-F238E27FC236}">
-                <a16:creationId xmlns:a16="http://schemas.microsoft.com/office/drawing/2014/main" id="{F6BA1A33-01C3-44D7-83C3-D501370F3116}"/>
+                <a16:creationId xmlns:a16="http://schemas.microsoft.com/office/drawing/2014/main" xmlns="" id="{F6BA1A33-01C3-44D7-83C3-D501370F3116}"/>
               </a:ext>
             </a:extLst>
           </p:cNvPr>
@@ -13962,7 +14740,7 @@
           <p:cNvPr id="7" name="TextBox 36">
             <a:extLst>
               <a:ext uri="{FF2B5EF4-FFF2-40B4-BE49-F238E27FC236}">
-                <a16:creationId xmlns:a16="http://schemas.microsoft.com/office/drawing/2014/main" id="{D917A74A-031D-41A6-A130-52F4249C7B01}"/>
+                <a16:creationId xmlns:a16="http://schemas.microsoft.com/office/drawing/2014/main" xmlns="" id="{D917A74A-031D-41A6-A130-52F4249C7B01}"/>
               </a:ext>
             </a:extLst>
           </p:cNvPr>
@@ -14287,7 +15065,7 @@
 </p:sld>
 </file>
 
-<file path=ppt/slides/slide4.xml><?xml version="1.0" encoding="utf-8"?>
+<file path=ppt/slides/slide5.xml><?xml version="1.0" encoding="utf-8"?>
 <p:sld xmlns:a="http://schemas.openxmlformats.org/drawingml/2006/main" xmlns:r="http://schemas.openxmlformats.org/officeDocument/2006/relationships" xmlns:p="http://schemas.openxmlformats.org/presentationml/2006/main">
   <p:cSld>
     <p:spTree>
@@ -14445,7 +15223,7 @@
 </p:sld>
 </file>
 
-<file path=ppt/slides/slide5.xml><?xml version="1.0" encoding="utf-8"?>
+<file path=ppt/slides/slide6.xml><?xml version="1.0" encoding="utf-8"?>
 <p:sld xmlns:a="http://schemas.openxmlformats.org/drawingml/2006/main" xmlns:r="http://schemas.openxmlformats.org/officeDocument/2006/relationships" xmlns:p="http://schemas.openxmlformats.org/presentationml/2006/main">
   <p:cSld>
     <p:spTree>
@@ -14552,7 +15330,7 @@
           <p:cNvPr id="3" name="圖片 2">
             <a:extLst>
               <a:ext uri="{FF2B5EF4-FFF2-40B4-BE49-F238E27FC236}">
-                <a16:creationId xmlns:a16="http://schemas.microsoft.com/office/drawing/2014/main" id="{AF0C1DF5-61F0-477F-8419-4DEC4DD6B532}"/>
+                <a16:creationId xmlns:a16="http://schemas.microsoft.com/office/drawing/2014/main" xmlns="" id="{AF0C1DF5-61F0-477F-8419-4DEC4DD6B532}"/>
               </a:ext>
             </a:extLst>
           </p:cNvPr>
@@ -14608,7 +15386,7 @@
 </p:sld>
 </file>
 
-<file path=ppt/slides/slide6.xml><?xml version="1.0" encoding="utf-8"?>
+<file path=ppt/slides/slide7.xml><?xml version="1.0" encoding="utf-8"?>
 <p:sld xmlns:a="http://schemas.openxmlformats.org/drawingml/2006/main" xmlns:r="http://schemas.openxmlformats.org/officeDocument/2006/relationships" xmlns:p="http://schemas.openxmlformats.org/presentationml/2006/main">
   <p:cSld>
     <p:spTree>
@@ -14715,7 +15493,7 @@
           <p:cNvPr id="7" name="TextBox 36">
             <a:extLst>
               <a:ext uri="{FF2B5EF4-FFF2-40B4-BE49-F238E27FC236}">
-                <a16:creationId xmlns:a16="http://schemas.microsoft.com/office/drawing/2014/main" id="{D917A74A-031D-41A6-A130-52F4249C7B01}"/>
+                <a16:creationId xmlns:a16="http://schemas.microsoft.com/office/drawing/2014/main" xmlns="" id="{D917A74A-031D-41A6-A130-52F4249C7B01}"/>
               </a:ext>
             </a:extLst>
           </p:cNvPr>
@@ -15063,7 +15841,7 @@
 </p:sld>
 </file>
 
-<file path=ppt/slides/slide7.xml><?xml version="1.0" encoding="utf-8"?>
+<file path=ppt/slides/slide8.xml><?xml version="1.0" encoding="utf-8"?>
 <p:sld xmlns:a="http://schemas.openxmlformats.org/drawingml/2006/main" xmlns:r="http://schemas.openxmlformats.org/officeDocument/2006/relationships" xmlns:p="http://schemas.openxmlformats.org/presentationml/2006/main">
   <p:cSld>
     <p:spTree>
@@ -15155,7 +15933,7 @@
           <p:cNvPr id="2" name="矩形 1">
             <a:extLst>
               <a:ext uri="{FF2B5EF4-FFF2-40B4-BE49-F238E27FC236}">
-                <a16:creationId xmlns:a16="http://schemas.microsoft.com/office/drawing/2014/main" id="{13026977-196A-46AB-B8C3-9E48537AAF74}"/>
+                <a16:creationId xmlns:a16="http://schemas.microsoft.com/office/drawing/2014/main" xmlns="" id="{13026977-196A-46AB-B8C3-9E48537AAF74}"/>
               </a:ext>
             </a:extLst>
           </p:cNvPr>
@@ -15334,7 +16112,7 @@
           <p:cNvPr id="4" name="直線接點 3">
             <a:extLst>
               <a:ext uri="{FF2B5EF4-FFF2-40B4-BE49-F238E27FC236}">
-                <a16:creationId xmlns:a16="http://schemas.microsoft.com/office/drawing/2014/main" id="{A34CA92E-D384-41DE-A392-B4822B5403BB}"/>
+                <a16:creationId xmlns:a16="http://schemas.microsoft.com/office/drawing/2014/main" xmlns="" id="{A34CA92E-D384-41DE-A392-B4822B5403BB}"/>
               </a:ext>
             </a:extLst>
           </p:cNvPr>
@@ -15377,7 +16155,7 @@
           <p:cNvPr id="10" name="直線接點 9">
             <a:extLst>
               <a:ext uri="{FF2B5EF4-FFF2-40B4-BE49-F238E27FC236}">
-                <a16:creationId xmlns:a16="http://schemas.microsoft.com/office/drawing/2014/main" id="{95D13DE5-AC39-4E1B-A768-9044FA0E6D3B}"/>
+                <a16:creationId xmlns:a16="http://schemas.microsoft.com/office/drawing/2014/main" xmlns="" id="{95D13DE5-AC39-4E1B-A768-9044FA0E6D3B}"/>
               </a:ext>
             </a:extLst>
           </p:cNvPr>
@@ -15440,7 +16218,7 @@
 </p:sld>
 </file>
 
-<file path=ppt/slides/slide8.xml><?xml version="1.0" encoding="utf-8"?>
+<file path=ppt/slides/slide9.xml><?xml version="1.0" encoding="utf-8"?>
 <p:sld xmlns:a="http://schemas.openxmlformats.org/drawingml/2006/main" xmlns:r="http://schemas.openxmlformats.org/officeDocument/2006/relationships" xmlns:p="http://schemas.openxmlformats.org/presentationml/2006/main">
   <p:cSld>
     <p:spTree>
@@ -15594,7 +16372,7 @@
           <p:cNvPr id="7" name="TextBox 36">
             <a:extLst>
               <a:ext uri="{FF2B5EF4-FFF2-40B4-BE49-F238E27FC236}">
-                <a16:creationId xmlns:a16="http://schemas.microsoft.com/office/drawing/2014/main" id="{D917A74A-031D-41A6-A130-52F4249C7B01}"/>
+                <a16:creationId xmlns:a16="http://schemas.microsoft.com/office/drawing/2014/main" xmlns="" id="{D917A74A-031D-41A6-A130-52F4249C7B01}"/>
               </a:ext>
             </a:extLst>
           </p:cNvPr>
@@ -15849,7 +16627,7 @@
           <p:cNvPr id="9" name="圖片 8">
             <a:extLst>
               <a:ext uri="{FF2B5EF4-FFF2-40B4-BE49-F238E27FC236}">
-                <a16:creationId xmlns:a16="http://schemas.microsoft.com/office/drawing/2014/main" id="{14F9FCB8-31E6-418F-9DB8-E069367FD7E5}"/>
+                <a16:creationId xmlns:a16="http://schemas.microsoft.com/office/drawing/2014/main" xmlns="" id="{14F9FCB8-31E6-418F-9DB8-E069367FD7E5}"/>
               </a:ext>
             </a:extLst>
           </p:cNvPr>
@@ -15884,254 +16662,6 @@
     <p:extLst>
       <p:ext uri="{BB962C8B-B14F-4D97-AF65-F5344CB8AC3E}">
         <p14:creationId xmlns:p14="http://schemas.microsoft.com/office/powerpoint/2010/main" val="3434270124"/>
-      </p:ext>
-    </p:extLst>
-  </p:cSld>
-  <p:clrMapOvr>
-    <a:masterClrMapping/>
-  </p:clrMapOvr>
-  <mc:AlternateContent xmlns:mc="http://schemas.openxmlformats.org/markup-compatibility/2006" xmlns:p14="http://schemas.microsoft.com/office/powerpoint/2010/main">
-    <mc:Choice Requires="p14">
-      <p:transition spd="slow" p14:dur="1500">
-        <p:random/>
-      </p:transition>
-    </mc:Choice>
-    <mc:Fallback xmlns="">
-      <p:transition spd="slow">
-        <p:random/>
-      </p:transition>
-    </mc:Fallback>
-  </mc:AlternateContent>
-</p:sld>
-</file>
-
-<file path=ppt/slides/slide9.xml><?xml version="1.0" encoding="utf-8"?>
-<p:sld xmlns:a="http://schemas.openxmlformats.org/drawingml/2006/main" xmlns:r="http://schemas.openxmlformats.org/officeDocument/2006/relationships" xmlns:p="http://schemas.openxmlformats.org/presentationml/2006/main">
-  <p:cSld>
-    <p:spTree>
-      <p:nvGrpSpPr>
-        <p:cNvPr id="1" name=""/>
-        <p:cNvGrpSpPr/>
-        <p:nvPr/>
-      </p:nvGrpSpPr>
-      <p:grpSpPr>
-        <a:xfrm>
-          <a:off x="0" y="0"/>
-          <a:ext cx="0" cy="0"/>
-          <a:chOff x="0" y="0"/>
-          <a:chExt cx="0" cy="0"/>
-        </a:xfrm>
-      </p:grpSpPr>
-      <p:sp>
-        <p:nvSpPr>
-          <p:cNvPr id="51" name="Rectangle 50"/>
-          <p:cNvSpPr/>
-          <p:nvPr/>
-        </p:nvSpPr>
-        <p:spPr>
-          <a:xfrm rot="5400000" flipH="1">
-            <a:off x="6027305" y="-2405265"/>
-            <a:ext cx="39600" cy="6924675"/>
-          </a:xfrm>
-          <a:prstGeom prst="rect">
-            <a:avLst/>
-          </a:prstGeom>
-          <a:solidFill>
-            <a:schemeClr val="accent1"/>
-          </a:solidFill>
-          <a:ln>
-            <a:noFill/>
-          </a:ln>
-        </p:spPr>
-        <p:style>
-          <a:lnRef idx="2">
-            <a:schemeClr val="accent1">
-              <a:shade val="50000"/>
-            </a:schemeClr>
-          </a:lnRef>
-          <a:fillRef idx="1">
-            <a:schemeClr val="accent1"/>
-          </a:fillRef>
-          <a:effectRef idx="0">
-            <a:schemeClr val="accent1"/>
-          </a:effectRef>
-          <a:fontRef idx="minor">
-            <a:schemeClr val="lt1"/>
-          </a:fontRef>
-        </p:style>
-        <p:txBody>
-          <a:bodyPr rtlCol="0" anchor="ctr"/>
-          <a:lstStyle/>
-          <a:p>
-            <a:pPr algn="ctr"/>
-            <a:endParaRPr lang="en-US" sz="2400">
-              <a:cs typeface="+mn-ea"/>
-              <a:sym typeface="+mn-lt"/>
-            </a:endParaRPr>
-          </a:p>
-        </p:txBody>
-      </p:sp>
-      <p:sp>
-        <p:nvSpPr>
-          <p:cNvPr id="52" name="TextBox 51"/>
-          <p:cNvSpPr txBox="1"/>
-          <p:nvPr/>
-        </p:nvSpPr>
-        <p:spPr>
-          <a:xfrm>
-            <a:off x="2914427" y="221807"/>
-            <a:ext cx="5643148" cy="923330"/>
-          </a:xfrm>
-          <a:prstGeom prst="rect">
-            <a:avLst/>
-          </a:prstGeom>
-          <a:noFill/>
-        </p:spPr>
-        <p:txBody>
-          <a:bodyPr wrap="none" rtlCol="0">
-            <a:spAutoFit/>
-          </a:bodyPr>
-          <a:lstStyle/>
-          <a:p>
-            <a:pPr algn="ctr" defTabSz="1218565"/>
-            <a:r>
-              <a:rPr lang="en-US" altLang="zh-CN" sz="5400" dirty="0">
-                <a:solidFill>
-                  <a:schemeClr val="bg1"/>
-                </a:solidFill>
-                <a:cs typeface="+mn-ea"/>
-                <a:sym typeface="+mn-lt"/>
-              </a:rPr>
-              <a:t>How KRACK works?</a:t>
-            </a:r>
-            <a:endParaRPr lang="zh-CN" altLang="en-US" sz="5400" dirty="0">
-              <a:solidFill>
-                <a:schemeClr val="bg1"/>
-              </a:solidFill>
-              <a:cs typeface="+mn-ea"/>
-              <a:sym typeface="+mn-lt"/>
-            </a:endParaRPr>
-          </a:p>
-        </p:txBody>
-      </p:sp>
-      <p:pic>
-        <p:nvPicPr>
-          <p:cNvPr id="3" name="圖片 2">
-            <a:extLst>
-              <a:ext uri="{FF2B5EF4-FFF2-40B4-BE49-F238E27FC236}">
-                <a16:creationId xmlns:a16="http://schemas.microsoft.com/office/drawing/2014/main" id="{8C71F234-3D68-42CA-A35E-E1DCC232D0EF}"/>
-              </a:ext>
-            </a:extLst>
-          </p:cNvPr>
-          <p:cNvPicPr>
-            <a:picLocks noChangeAspect="1"/>
-          </p:cNvPicPr>
-          <p:nvPr/>
-        </p:nvPicPr>
-        <p:blipFill>
-          <a:blip r:embed="rId3">
-            <a:extLst>
-              <a:ext uri="{28A0092B-C50C-407E-A947-70E740481C1C}">
-                <a14:useLocalDpi xmlns:a14="http://schemas.microsoft.com/office/drawing/2010/main" val="0"/>
-              </a:ext>
-            </a:extLst>
-          </a:blip>
-          <a:stretch>
-            <a:fillRect/>
-          </a:stretch>
-        </p:blipFill>
-        <p:spPr>
-          <a:xfrm>
-            <a:off x="3000000" y="1219620"/>
-            <a:ext cx="6336000" cy="5416573"/>
-          </a:xfrm>
-          <a:prstGeom prst="rect">
-            <a:avLst/>
-          </a:prstGeom>
-        </p:spPr>
-      </p:pic>
-      <p:pic>
-        <p:nvPicPr>
-          <p:cNvPr id="6" name="圖形 5">
-            <a:extLst>
-              <a:ext uri="{FF2B5EF4-FFF2-40B4-BE49-F238E27FC236}">
-                <a16:creationId xmlns:a16="http://schemas.microsoft.com/office/drawing/2014/main" id="{8871BECA-4141-446A-AF79-470912412631}"/>
-              </a:ext>
-            </a:extLst>
-          </p:cNvPr>
-          <p:cNvPicPr>
-            <a:picLocks noChangeAspect="1"/>
-          </p:cNvPicPr>
-          <p:nvPr/>
-        </p:nvPicPr>
-        <p:blipFill>
-          <a:blip r:embed="rId4">
-            <a:extLst>
-              <a:ext uri="{28A0092B-C50C-407E-A947-70E740481C1C}">
-                <a14:useLocalDpi xmlns:a14="http://schemas.microsoft.com/office/drawing/2010/main" val="0"/>
-              </a:ext>
-              <a:ext uri="{96DAC541-7B7A-43D3-8B79-37D633B846F1}">
-                <asvg:svgBlip xmlns:asvg="http://schemas.microsoft.com/office/drawing/2016/SVG/main" r:embed="rId5"/>
-              </a:ext>
-            </a:extLst>
-          </a:blip>
-          <a:stretch>
-            <a:fillRect/>
-          </a:stretch>
-        </p:blipFill>
-        <p:spPr>
-          <a:xfrm>
-            <a:off x="10056000" y="2853000"/>
-            <a:ext cx="1152000" cy="1152000"/>
-          </a:xfrm>
-          <a:prstGeom prst="rect">
-            <a:avLst/>
-          </a:prstGeom>
-        </p:spPr>
-      </p:pic>
-      <p:pic>
-        <p:nvPicPr>
-          <p:cNvPr id="12" name="圖形 11">
-            <a:extLst>
-              <a:ext uri="{FF2B5EF4-FFF2-40B4-BE49-F238E27FC236}">
-                <a16:creationId xmlns:a16="http://schemas.microsoft.com/office/drawing/2014/main" id="{30CA2E1F-9244-4E6C-9677-1E5E91882170}"/>
-              </a:ext>
-            </a:extLst>
-          </p:cNvPr>
-          <p:cNvPicPr>
-            <a:picLocks noChangeAspect="1"/>
-          </p:cNvPicPr>
-          <p:nvPr/>
-        </p:nvPicPr>
-        <p:blipFill>
-          <a:blip r:embed="rId6">
-            <a:extLst>
-              <a:ext uri="{28A0092B-C50C-407E-A947-70E740481C1C}">
-                <a14:useLocalDpi xmlns:a14="http://schemas.microsoft.com/office/drawing/2010/main" val="0"/>
-              </a:ext>
-              <a:ext uri="{96DAC541-7B7A-43D3-8B79-37D633B846F1}">
-                <asvg:svgBlip xmlns:asvg="http://schemas.microsoft.com/office/drawing/2016/SVG/main" r:embed="rId7"/>
-              </a:ext>
-            </a:extLst>
-          </a:blip>
-          <a:stretch>
-            <a:fillRect/>
-          </a:stretch>
-        </p:blipFill>
-        <p:spPr>
-          <a:xfrm>
-            <a:off x="768000" y="2715447"/>
-            <a:ext cx="1427105" cy="1427105"/>
-          </a:xfrm>
-          <a:prstGeom prst="rect">
-            <a:avLst/>
-          </a:prstGeom>
-        </p:spPr>
-      </p:pic>
-    </p:spTree>
-    <p:extLst>
-      <p:ext uri="{BB962C8B-B14F-4D97-AF65-F5344CB8AC3E}">
-        <p14:creationId xmlns:p14="http://schemas.microsoft.com/office/powerpoint/2010/main" val="2491435372"/>
       </p:ext>
     </p:extLst>
   </p:cSld>

--- a/data.pptx
+++ b/data.pptx
@@ -12732,7 +12732,7 @@
           <p:cNvPr id="3" name="圖片 2">
             <a:extLst>
               <a:ext uri="{FF2B5EF4-FFF2-40B4-BE49-F238E27FC236}">
-                <a16:creationId xmlns:a16="http://schemas.microsoft.com/office/drawing/2014/main" xmlns="" id="{8C71F234-3D68-42CA-A35E-E1DCC232D0EF}"/>
+                <a16:creationId xmlns="" xmlns:a16="http://schemas.microsoft.com/office/drawing/2014/main" id="{8C71F234-3D68-42CA-A35E-E1DCC232D0EF}"/>
               </a:ext>
             </a:extLst>
           </p:cNvPr>
@@ -12768,7 +12768,7 @@
           <p:cNvPr id="6" name="圖形 5">
             <a:extLst>
               <a:ext uri="{FF2B5EF4-FFF2-40B4-BE49-F238E27FC236}">
-                <a16:creationId xmlns:a16="http://schemas.microsoft.com/office/drawing/2014/main" xmlns="" id="{8871BECA-4141-446A-AF79-470912412631}"/>
+                <a16:creationId xmlns="" xmlns:a16="http://schemas.microsoft.com/office/drawing/2014/main" id="{8871BECA-4141-446A-AF79-470912412631}"/>
               </a:ext>
             </a:extLst>
           </p:cNvPr>
@@ -12784,7 +12784,7 @@
                 <a14:useLocalDpi xmlns:a14="http://schemas.microsoft.com/office/drawing/2010/main" val="0"/>
               </a:ext>
               <a:ext uri="{96DAC541-7B7A-43D3-8B79-37D633B846F1}">
-                <asvg:svgBlip xmlns:asvg="http://schemas.microsoft.com/office/drawing/2016/SVG/main" xmlns="" r:embed="rId5"/>
+                <asvg:svgBlip xmlns="" xmlns:asvg="http://schemas.microsoft.com/office/drawing/2016/SVG/main" r:embed="rId5"/>
               </a:ext>
             </a:extLst>
           </a:blip>
@@ -12807,7 +12807,7 @@
           <p:cNvPr id="12" name="圖形 11">
             <a:extLst>
               <a:ext uri="{FF2B5EF4-FFF2-40B4-BE49-F238E27FC236}">
-                <a16:creationId xmlns:a16="http://schemas.microsoft.com/office/drawing/2014/main" xmlns="" id="{30CA2E1F-9244-4E6C-9677-1E5E91882170}"/>
+                <a16:creationId xmlns="" xmlns:a16="http://schemas.microsoft.com/office/drawing/2014/main" id="{30CA2E1F-9244-4E6C-9677-1E5E91882170}"/>
               </a:ext>
             </a:extLst>
           </p:cNvPr>
@@ -12823,7 +12823,7 @@
                 <a14:useLocalDpi xmlns:a14="http://schemas.microsoft.com/office/drawing/2010/main" val="0"/>
               </a:ext>
               <a:ext uri="{96DAC541-7B7A-43D3-8B79-37D633B846F1}">
-                <asvg:svgBlip xmlns:asvg="http://schemas.microsoft.com/office/drawing/2016/SVG/main" xmlns="" r:embed="rId7"/>
+                <asvg:svgBlip xmlns="" xmlns:asvg="http://schemas.microsoft.com/office/drawing/2016/SVG/main" r:embed="rId7"/>
               </a:ext>
             </a:extLst>
           </a:blip>
@@ -12980,7 +12980,7 @@
           <p:cNvPr id="7" name="TextBox 36">
             <a:extLst>
               <a:ext uri="{FF2B5EF4-FFF2-40B4-BE49-F238E27FC236}">
-                <a16:creationId xmlns:a16="http://schemas.microsoft.com/office/drawing/2014/main" xmlns="" id="{4946F5FA-D0BF-45D4-8283-1404D73E72C9}"/>
+                <a16:creationId xmlns="" xmlns:a16="http://schemas.microsoft.com/office/drawing/2014/main" id="{4946F5FA-D0BF-45D4-8283-1404D73E72C9}"/>
               </a:ext>
             </a:extLst>
           </p:cNvPr>
@@ -13099,7 +13099,7 @@
           <p:cNvPr id="10" name="TextBox 36">
             <a:extLst>
               <a:ext uri="{FF2B5EF4-FFF2-40B4-BE49-F238E27FC236}">
-                <a16:creationId xmlns:a16="http://schemas.microsoft.com/office/drawing/2014/main" xmlns="" id="{17388224-F329-4947-92B6-A50AF4911E02}"/>
+                <a16:creationId xmlns="" xmlns:a16="http://schemas.microsoft.com/office/drawing/2014/main" id="{17388224-F329-4947-92B6-A50AF4911E02}"/>
               </a:ext>
             </a:extLst>
           </p:cNvPr>
@@ -13416,7 +13416,7 @@
           <p:cNvPr id="7" name="橢圓 6">
             <a:extLst>
               <a:ext uri="{FF2B5EF4-FFF2-40B4-BE49-F238E27FC236}">
-                <a16:creationId xmlns:a16="http://schemas.microsoft.com/office/drawing/2014/main" xmlns="" id="{A55828B6-FE93-43F8-810B-90E6621CA373}"/>
+                <a16:creationId xmlns="" xmlns:a16="http://schemas.microsoft.com/office/drawing/2014/main" id="{A55828B6-FE93-43F8-810B-90E6621CA373}"/>
               </a:ext>
             </a:extLst>
           </p:cNvPr>
@@ -13462,7 +13462,7 @@
           <p:cNvPr id="4" name="圖形 3">
             <a:extLst>
               <a:ext uri="{FF2B5EF4-FFF2-40B4-BE49-F238E27FC236}">
-                <a16:creationId xmlns:a16="http://schemas.microsoft.com/office/drawing/2014/main" xmlns="" id="{B3AB7FDC-E602-4BA4-B960-DF38822BAF5E}"/>
+                <a16:creationId xmlns="" xmlns:a16="http://schemas.microsoft.com/office/drawing/2014/main" id="{B3AB7FDC-E602-4BA4-B960-DF38822BAF5E}"/>
               </a:ext>
             </a:extLst>
           </p:cNvPr>
@@ -13478,7 +13478,7 @@
                 <a14:useLocalDpi xmlns:a14="http://schemas.microsoft.com/office/drawing/2010/main" val="0"/>
               </a:ext>
               <a:ext uri="{96DAC541-7B7A-43D3-8B79-37D633B846F1}">
-                <asvg:svgBlip xmlns:asvg="http://schemas.microsoft.com/office/drawing/2016/SVG/main" xmlns="" r:embed="rId4"/>
+                <asvg:svgBlip xmlns="" xmlns:asvg="http://schemas.microsoft.com/office/drawing/2016/SVG/main" r:embed="rId4"/>
               </a:ext>
             </a:extLst>
           </a:blip>
@@ -13501,7 +13501,7 @@
           <p:cNvPr id="13" name="TextBox 41">
             <a:extLst>
               <a:ext uri="{FF2B5EF4-FFF2-40B4-BE49-F238E27FC236}">
-                <a16:creationId xmlns:a16="http://schemas.microsoft.com/office/drawing/2014/main" xmlns="" id="{19610036-50A1-474B-B055-0B7E34A2398B}"/>
+                <a16:creationId xmlns="" xmlns:a16="http://schemas.microsoft.com/office/drawing/2014/main" id="{19610036-50A1-474B-B055-0B7E34A2398B}"/>
               </a:ext>
             </a:extLst>
           </p:cNvPr>
@@ -13771,7 +13771,7 @@
           <p:cNvPr id="14" name="橢圓 13">
             <a:extLst>
               <a:ext uri="{FF2B5EF4-FFF2-40B4-BE49-F238E27FC236}">
-                <a16:creationId xmlns:a16="http://schemas.microsoft.com/office/drawing/2014/main" xmlns="" id="{D1A2D565-3053-4EAD-A0D3-61D522740487}"/>
+                <a16:creationId xmlns="" xmlns:a16="http://schemas.microsoft.com/office/drawing/2014/main" id="{D1A2D565-3053-4EAD-A0D3-61D522740487}"/>
               </a:ext>
             </a:extLst>
           </p:cNvPr>
@@ -13817,7 +13817,7 @@
           <p:cNvPr id="10" name="圖形 9">
             <a:extLst>
               <a:ext uri="{FF2B5EF4-FFF2-40B4-BE49-F238E27FC236}">
-                <a16:creationId xmlns:a16="http://schemas.microsoft.com/office/drawing/2014/main" xmlns="" id="{9B928047-5AC3-4A11-9D70-F3A0CF28B4CC}"/>
+                <a16:creationId xmlns="" xmlns:a16="http://schemas.microsoft.com/office/drawing/2014/main" id="{9B928047-5AC3-4A11-9D70-F3A0CF28B4CC}"/>
               </a:ext>
             </a:extLst>
           </p:cNvPr>
@@ -13833,7 +13833,7 @@
                 <a14:useLocalDpi xmlns:a14="http://schemas.microsoft.com/office/drawing/2010/main" val="0"/>
               </a:ext>
               <a:ext uri="{96DAC541-7B7A-43D3-8B79-37D633B846F1}">
-                <asvg:svgBlip xmlns:asvg="http://schemas.microsoft.com/office/drawing/2016/SVG/main" xmlns="" r:embed="rId6"/>
+                <asvg:svgBlip xmlns="" xmlns:asvg="http://schemas.microsoft.com/office/drawing/2016/SVG/main" r:embed="rId6"/>
               </a:ext>
             </a:extLst>
           </a:blip>
@@ -14144,7 +14144,7 @@
           <p:cNvPr id="7" name="TextBox 36">
             <a:extLst>
               <a:ext uri="{FF2B5EF4-FFF2-40B4-BE49-F238E27FC236}">
-                <a16:creationId xmlns:a16="http://schemas.microsoft.com/office/drawing/2014/main" xmlns="" id="{D917A74A-031D-41A6-A130-52F4249C7B01}"/>
+                <a16:creationId xmlns="" xmlns:a16="http://schemas.microsoft.com/office/drawing/2014/main" id="{D917A74A-031D-41A6-A130-52F4249C7B01}"/>
               </a:ext>
             </a:extLst>
           </p:cNvPr>
@@ -14153,7 +14153,7 @@
         </p:nvSpPr>
         <p:spPr>
           <a:xfrm>
-            <a:off x="2200034" y="1341000"/>
+            <a:off x="850140" y="1341000"/>
             <a:ext cx="2699788" cy="5786199"/>
           </a:xfrm>
           <a:prstGeom prst="rect">
@@ -14704,7 +14704,7 @@
           <p:cNvPr id="5" name="圖片 4">
             <a:extLst>
               <a:ext uri="{FF2B5EF4-FFF2-40B4-BE49-F238E27FC236}">
-                <a16:creationId xmlns:a16="http://schemas.microsoft.com/office/drawing/2014/main" xmlns="" id="{F6BA1A33-01C3-44D7-83C3-D501370F3116}"/>
+                <a16:creationId xmlns="" xmlns:a16="http://schemas.microsoft.com/office/drawing/2014/main" id="{F6BA1A33-01C3-44D7-83C3-D501370F3116}"/>
               </a:ext>
             </a:extLst>
           </p:cNvPr>
@@ -14740,7 +14740,7 @@
           <p:cNvPr id="7" name="TextBox 36">
             <a:extLst>
               <a:ext uri="{FF2B5EF4-FFF2-40B4-BE49-F238E27FC236}">
-                <a16:creationId xmlns:a16="http://schemas.microsoft.com/office/drawing/2014/main" xmlns="" id="{D917A74A-031D-41A6-A130-52F4249C7B01}"/>
+                <a16:creationId xmlns="" xmlns:a16="http://schemas.microsoft.com/office/drawing/2014/main" id="{D917A74A-031D-41A6-A130-52F4249C7B01}"/>
               </a:ext>
             </a:extLst>
           </p:cNvPr>
@@ -15330,7 +15330,7 @@
           <p:cNvPr id="3" name="圖片 2">
             <a:extLst>
               <a:ext uri="{FF2B5EF4-FFF2-40B4-BE49-F238E27FC236}">
-                <a16:creationId xmlns:a16="http://schemas.microsoft.com/office/drawing/2014/main" xmlns="" id="{AF0C1DF5-61F0-477F-8419-4DEC4DD6B532}"/>
+                <a16:creationId xmlns="" xmlns:a16="http://schemas.microsoft.com/office/drawing/2014/main" id="{AF0C1DF5-61F0-477F-8419-4DEC4DD6B532}"/>
               </a:ext>
             </a:extLst>
           </p:cNvPr>
@@ -15493,7 +15493,7 @@
           <p:cNvPr id="7" name="TextBox 36">
             <a:extLst>
               <a:ext uri="{FF2B5EF4-FFF2-40B4-BE49-F238E27FC236}">
-                <a16:creationId xmlns:a16="http://schemas.microsoft.com/office/drawing/2014/main" xmlns="" id="{D917A74A-031D-41A6-A130-52F4249C7B01}"/>
+                <a16:creationId xmlns="" xmlns:a16="http://schemas.microsoft.com/office/drawing/2014/main" id="{D917A74A-031D-41A6-A130-52F4249C7B01}"/>
               </a:ext>
             </a:extLst>
           </p:cNvPr>
@@ -15933,7 +15933,7 @@
           <p:cNvPr id="2" name="矩形 1">
             <a:extLst>
               <a:ext uri="{FF2B5EF4-FFF2-40B4-BE49-F238E27FC236}">
-                <a16:creationId xmlns:a16="http://schemas.microsoft.com/office/drawing/2014/main" xmlns="" id="{13026977-196A-46AB-B8C3-9E48537AAF74}"/>
+                <a16:creationId xmlns="" xmlns:a16="http://schemas.microsoft.com/office/drawing/2014/main" id="{13026977-196A-46AB-B8C3-9E48537AAF74}"/>
               </a:ext>
             </a:extLst>
           </p:cNvPr>
@@ -16112,7 +16112,7 @@
           <p:cNvPr id="4" name="直線接點 3">
             <a:extLst>
               <a:ext uri="{FF2B5EF4-FFF2-40B4-BE49-F238E27FC236}">
-                <a16:creationId xmlns:a16="http://schemas.microsoft.com/office/drawing/2014/main" xmlns="" id="{A34CA92E-D384-41DE-A392-B4822B5403BB}"/>
+                <a16:creationId xmlns="" xmlns:a16="http://schemas.microsoft.com/office/drawing/2014/main" id="{A34CA92E-D384-41DE-A392-B4822B5403BB}"/>
               </a:ext>
             </a:extLst>
           </p:cNvPr>
@@ -16155,7 +16155,7 @@
           <p:cNvPr id="10" name="直線接點 9">
             <a:extLst>
               <a:ext uri="{FF2B5EF4-FFF2-40B4-BE49-F238E27FC236}">
-                <a16:creationId xmlns:a16="http://schemas.microsoft.com/office/drawing/2014/main" xmlns="" id="{95D13DE5-AC39-4E1B-A768-9044FA0E6D3B}"/>
+                <a16:creationId xmlns="" xmlns:a16="http://schemas.microsoft.com/office/drawing/2014/main" id="{95D13DE5-AC39-4E1B-A768-9044FA0E6D3B}"/>
               </a:ext>
             </a:extLst>
           </p:cNvPr>
@@ -16372,7 +16372,7 @@
           <p:cNvPr id="7" name="TextBox 36">
             <a:extLst>
               <a:ext uri="{FF2B5EF4-FFF2-40B4-BE49-F238E27FC236}">
-                <a16:creationId xmlns:a16="http://schemas.microsoft.com/office/drawing/2014/main" xmlns="" id="{D917A74A-031D-41A6-A130-52F4249C7B01}"/>
+                <a16:creationId xmlns="" xmlns:a16="http://schemas.microsoft.com/office/drawing/2014/main" id="{D917A74A-031D-41A6-A130-52F4249C7B01}"/>
               </a:ext>
             </a:extLst>
           </p:cNvPr>
@@ -16627,7 +16627,7 @@
           <p:cNvPr id="9" name="圖片 8">
             <a:extLst>
               <a:ext uri="{FF2B5EF4-FFF2-40B4-BE49-F238E27FC236}">
-                <a16:creationId xmlns:a16="http://schemas.microsoft.com/office/drawing/2014/main" xmlns="" id="{14F9FCB8-31E6-418F-9DB8-E069367FD7E5}"/>
+                <a16:creationId xmlns="" xmlns:a16="http://schemas.microsoft.com/office/drawing/2014/main" id="{14F9FCB8-31E6-418F-9DB8-E069367FD7E5}"/>
               </a:ext>
             </a:extLst>
           </p:cNvPr>
